--- a/Entrega_1/0 - REPORTE/REPORTE.pptx
+++ b/Entrega_1/0 - REPORTE/REPORTE.pptx
@@ -291,6 +291,11 @@
       </a:defRPr>
     </a:lvl9pPr>
   </p:defaultTextStyle>
+  <p:extLst>
+    <p:ext uri="{EFAFB233-063F-42B5-8137-9DF3F51BA10A}">
+      <p15:sldGuideLst xmlns:p15="http://schemas.microsoft.com/office/powerpoint/2012/main"/>
+    </p:ext>
+  </p:extLst>
 </p:presentation>
 </file>
 
@@ -311,7 +316,7 @@
   <pc:docChgLst>
     <pc:chgData name="Mario Aragón Valderrama" userId="ab42593c9091a3c7" providerId="LiveId" clId="{A94EC9C8-FC2E-45B4-829C-AEB6B286F687}"/>
     <pc:docChg chg="undo custSel addSld delSld modSld">
-      <pc:chgData name="Mario Aragón Valderrama" userId="ab42593c9091a3c7" providerId="LiveId" clId="{A94EC9C8-FC2E-45B4-829C-AEB6B286F687}" dt="2025-10-31T12:19:59.146" v="7520" actId="115"/>
+      <pc:chgData name="Mario Aragón Valderrama" userId="ab42593c9091a3c7" providerId="LiveId" clId="{A94EC9C8-FC2E-45B4-829C-AEB6B286F687}" dt="2025-10-31T13:21:45.430" v="9015" actId="20577"/>
       <pc:docMkLst>
         <pc:docMk/>
       </pc:docMkLst>
@@ -675,7 +680,7 @@
         </pc:graphicFrameChg>
       </pc:sldChg>
       <pc:sldChg chg="addSp delSp modSp add mod">
-        <pc:chgData name="Mario Aragón Valderrama" userId="ab42593c9091a3c7" providerId="LiveId" clId="{A94EC9C8-FC2E-45B4-829C-AEB6B286F687}" dt="2025-10-31T12:18:14.367" v="7500" actId="207"/>
+        <pc:chgData name="Mario Aragón Valderrama" userId="ab42593c9091a3c7" providerId="LiveId" clId="{A94EC9C8-FC2E-45B4-829C-AEB6B286F687}" dt="2025-10-31T13:17:18.648" v="8837" actId="20577"/>
         <pc:sldMkLst>
           <pc:docMk/>
           <pc:sldMk cId="3817130564" sldId="272"/>
@@ -713,7 +718,7 @@
           </ac:spMkLst>
         </pc:spChg>
         <pc:graphicFrameChg chg="add mod modGraphic">
-          <ac:chgData name="Mario Aragón Valderrama" userId="ab42593c9091a3c7" providerId="LiveId" clId="{A94EC9C8-FC2E-45B4-829C-AEB6B286F687}" dt="2025-10-31T12:18:14.367" v="7500" actId="207"/>
+          <ac:chgData name="Mario Aragón Valderrama" userId="ab42593c9091a3c7" providerId="LiveId" clId="{A94EC9C8-FC2E-45B4-829C-AEB6B286F687}" dt="2025-10-31T13:17:18.648" v="8837" actId="20577"/>
           <ac:graphicFrameMkLst>
             <pc:docMk/>
             <pc:sldMk cId="3817130564" sldId="272"/>
@@ -829,33 +834,137 @@
           </ac:spMkLst>
         </pc:spChg>
       </pc:sldChg>
-      <pc:sldChg chg="modSp add mod">
-        <pc:chgData name="Mario Aragón Valderrama" userId="ab42593c9091a3c7" providerId="LiveId" clId="{A94EC9C8-FC2E-45B4-829C-AEB6B286F687}" dt="2025-10-31T11:10:38.883" v="2735" actId="404"/>
+      <pc:sldChg chg="addSp delSp modSp add mod">
+        <pc:chgData name="Mario Aragón Valderrama" userId="ab42593c9091a3c7" providerId="LiveId" clId="{A94EC9C8-FC2E-45B4-829C-AEB6B286F687}" dt="2025-10-31T12:56:18.371" v="8028" actId="1076"/>
         <pc:sldMkLst>
           <pc:docMk/>
           <pc:sldMk cId="96848898" sldId="277"/>
         </pc:sldMkLst>
+        <pc:spChg chg="add mod">
+          <ac:chgData name="Mario Aragón Valderrama" userId="ab42593c9091a3c7" providerId="LiveId" clId="{A94EC9C8-FC2E-45B4-829C-AEB6B286F687}" dt="2025-10-31T12:50:27.701" v="7804" actId="20577"/>
+          <ac:spMkLst>
+            <pc:docMk/>
+            <pc:sldMk cId="96848898" sldId="277"/>
+            <ac:spMk id="2" creationId="{850C95A2-487A-DD08-1994-9119B199CE78}"/>
+          </ac:spMkLst>
+        </pc:spChg>
+        <pc:spChg chg="add del">
+          <ac:chgData name="Mario Aragón Valderrama" userId="ab42593c9091a3c7" providerId="LiveId" clId="{A94EC9C8-FC2E-45B4-829C-AEB6B286F687}" dt="2025-10-31T12:42:18.422" v="7585" actId="478"/>
+          <ac:spMkLst>
+            <pc:docMk/>
+            <pc:sldMk cId="96848898" sldId="277"/>
+            <ac:spMk id="3" creationId="{4FE82936-938A-633D-B48A-B245CDADB73A}"/>
+          </ac:spMkLst>
+        </pc:spChg>
+        <pc:spChg chg="add del mod">
+          <ac:chgData name="Mario Aragón Valderrama" userId="ab42593c9091a3c7" providerId="LiveId" clId="{A94EC9C8-FC2E-45B4-829C-AEB6B286F687}" dt="2025-10-31T12:49:43.312" v="7751" actId="478"/>
+          <ac:spMkLst>
+            <pc:docMk/>
+            <pc:sldMk cId="96848898" sldId="277"/>
+            <ac:spMk id="4" creationId="{6DFDA83B-6F32-BB34-10F0-D469832FAC46}"/>
+          </ac:spMkLst>
+        </pc:spChg>
+        <pc:spChg chg="add mod">
+          <ac:chgData name="Mario Aragón Valderrama" userId="ab42593c9091a3c7" providerId="LiveId" clId="{A94EC9C8-FC2E-45B4-829C-AEB6B286F687}" dt="2025-10-31T12:55:38.566" v="8019" actId="1076"/>
+          <ac:spMkLst>
+            <pc:docMk/>
+            <pc:sldMk cId="96848898" sldId="277"/>
+            <ac:spMk id="9" creationId="{51263BE0-F9B9-D8D0-3B0A-0A88CEDFD45D}"/>
+          </ac:spMkLst>
+        </pc:spChg>
+        <pc:spChg chg="add mod">
+          <ac:chgData name="Mario Aragón Valderrama" userId="ab42593c9091a3c7" providerId="LiveId" clId="{A94EC9C8-FC2E-45B4-829C-AEB6B286F687}" dt="2025-10-31T12:54:07.565" v="8011" actId="20577"/>
+          <ac:spMkLst>
+            <pc:docMk/>
+            <pc:sldMk cId="96848898" sldId="277"/>
+            <ac:spMk id="10" creationId="{CB8960E5-90AD-AE6F-6756-4BF481848451}"/>
+          </ac:spMkLst>
+        </pc:spChg>
+        <pc:spChg chg="add mod">
+          <ac:chgData name="Mario Aragón Valderrama" userId="ab42593c9091a3c7" providerId="LiveId" clId="{A94EC9C8-FC2E-45B4-829C-AEB6B286F687}" dt="2025-10-31T12:55:42.304" v="8021" actId="1076"/>
+          <ac:spMkLst>
+            <pc:docMk/>
+            <pc:sldMk cId="96848898" sldId="277"/>
+            <ac:spMk id="11" creationId="{6AD0D5AA-59C3-51F4-0CA3-5085BFED3E06}"/>
+          </ac:spMkLst>
+        </pc:spChg>
+        <pc:spChg chg="add mod">
+          <ac:chgData name="Mario Aragón Valderrama" userId="ab42593c9091a3c7" providerId="LiveId" clId="{A94EC9C8-FC2E-45B4-829C-AEB6B286F687}" dt="2025-10-31T12:56:18.371" v="8028" actId="1076"/>
+          <ac:spMkLst>
+            <pc:docMk/>
+            <pc:sldMk cId="96848898" sldId="277"/>
+            <ac:spMk id="16" creationId="{A04C3FC8-534D-282D-E8B8-7A80F41C547F}"/>
+          </ac:spMkLst>
+        </pc:spChg>
         <pc:spChg chg="mod">
-          <ac:chgData name="Mario Aragón Valderrama" userId="ab42593c9091a3c7" providerId="LiveId" clId="{A94EC9C8-FC2E-45B4-829C-AEB6B286F687}" dt="2025-10-31T11:10:38.883" v="2735" actId="404"/>
+          <ac:chgData name="Mario Aragón Valderrama" userId="ab42593c9091a3c7" providerId="LiveId" clId="{A94EC9C8-FC2E-45B4-829C-AEB6B286F687}" dt="2025-10-31T12:53:18.641" v="7861" actId="1076"/>
           <ac:spMkLst>
             <pc:docMk/>
             <pc:sldMk cId="96848898" sldId="277"/>
             <ac:spMk id="633" creationId="{7C4B54FB-1DBD-071B-42BB-FDCCA4B52BAC}"/>
           </ac:spMkLst>
         </pc:spChg>
+        <pc:picChg chg="add mod">
+          <ac:chgData name="Mario Aragón Valderrama" userId="ab42593c9091a3c7" providerId="LiveId" clId="{A94EC9C8-FC2E-45B4-829C-AEB6B286F687}" dt="2025-10-31T12:55:37.303" v="8018" actId="14100"/>
+          <ac:picMkLst>
+            <pc:docMk/>
+            <pc:sldMk cId="96848898" sldId="277"/>
+            <ac:picMk id="6" creationId="{CAA4D302-3728-C348-1B0F-95C66B65D0F8}"/>
+          </ac:picMkLst>
+        </pc:picChg>
+        <pc:picChg chg="add mod">
+          <ac:chgData name="Mario Aragón Valderrama" userId="ab42593c9091a3c7" providerId="LiveId" clId="{A94EC9C8-FC2E-45B4-829C-AEB6B286F687}" dt="2025-10-31T12:55:40.071" v="8020" actId="1076"/>
+          <ac:picMkLst>
+            <pc:docMk/>
+            <pc:sldMk cId="96848898" sldId="277"/>
+            <ac:picMk id="8" creationId="{EFE9C1C0-BC77-C605-271B-8BF916B4DF5D}"/>
+          </ac:picMkLst>
+        </pc:picChg>
+        <pc:picChg chg="add mod">
+          <ac:chgData name="Mario Aragón Valderrama" userId="ab42593c9091a3c7" providerId="LiveId" clId="{A94EC9C8-FC2E-45B4-829C-AEB6B286F687}" dt="2025-10-31T12:55:46.546" v="8023" actId="14100"/>
+          <ac:picMkLst>
+            <pc:docMk/>
+            <pc:sldMk cId="96848898" sldId="277"/>
+            <ac:picMk id="13" creationId="{8BEEE918-019D-2D4E-8CB9-46C84E615698}"/>
+          </ac:picMkLst>
+        </pc:picChg>
+        <pc:picChg chg="add mod">
+          <ac:chgData name="Mario Aragón Valderrama" userId="ab42593c9091a3c7" providerId="LiveId" clId="{A94EC9C8-FC2E-45B4-829C-AEB6B286F687}" dt="2025-10-31T12:55:48.496" v="8024" actId="1076"/>
+          <ac:picMkLst>
+            <pc:docMk/>
+            <pc:sldMk cId="96848898" sldId="277"/>
+            <ac:picMk id="15" creationId="{F1EAD923-4663-2DF2-5645-25E9EBBFBE0D}"/>
+          </ac:picMkLst>
+        </pc:picChg>
       </pc:sldChg>
       <pc:sldChg chg="addSp delSp modSp add mod">
-        <pc:chgData name="Mario Aragón Valderrama" userId="ab42593c9091a3c7" providerId="LiveId" clId="{A94EC9C8-FC2E-45B4-829C-AEB6B286F687}" dt="2025-10-31T11:10:47.099" v="2738" actId="20577"/>
+        <pc:chgData name="Mario Aragón Valderrama" userId="ab42593c9091a3c7" providerId="LiveId" clId="{A94EC9C8-FC2E-45B4-829C-AEB6B286F687}" dt="2025-10-31T13:21:45.430" v="9015" actId="20577"/>
         <pc:sldMkLst>
           <pc:docMk/>
           <pc:sldMk cId="2665368765" sldId="278"/>
         </pc:sldMkLst>
         <pc:spChg chg="add mod">
-          <ac:chgData name="Mario Aragón Valderrama" userId="ab42593c9091a3c7" providerId="LiveId" clId="{A94EC9C8-FC2E-45B4-829C-AEB6B286F687}" dt="2025-10-31T11:10:47.099" v="2738" actId="20577"/>
+          <ac:chgData name="Mario Aragón Valderrama" userId="ab42593c9091a3c7" providerId="LiveId" clId="{A94EC9C8-FC2E-45B4-829C-AEB6B286F687}" dt="2025-10-31T12:40:53.232" v="7566" actId="20577"/>
           <ac:spMkLst>
             <pc:docMk/>
             <pc:sldMk cId="2665368765" sldId="278"/>
             <ac:spMk id="2" creationId="{D604109C-7A83-7410-C1FE-F6FB65CB1BAD}"/>
+          </ac:spMkLst>
+        </pc:spChg>
+        <pc:spChg chg="add mod">
+          <ac:chgData name="Mario Aragón Valderrama" userId="ab42593c9091a3c7" providerId="LiveId" clId="{A94EC9C8-FC2E-45B4-829C-AEB6B286F687}" dt="2025-10-31T13:12:21.890" v="8446" actId="255"/>
+          <ac:spMkLst>
+            <pc:docMk/>
+            <pc:sldMk cId="2665368765" sldId="278"/>
+            <ac:spMk id="3" creationId="{3F0E4919-B4FB-64E2-AEFB-C557656BB033}"/>
+          </ac:spMkLst>
+        </pc:spChg>
+        <pc:spChg chg="add mod">
+          <ac:chgData name="Mario Aragón Valderrama" userId="ab42593c9091a3c7" providerId="LiveId" clId="{A94EC9C8-FC2E-45B4-829C-AEB6B286F687}" dt="2025-10-31T13:21:45.430" v="9015" actId="20577"/>
+          <ac:spMkLst>
+            <pc:docMk/>
+            <pc:sldMk cId="2665368765" sldId="278"/>
+            <ac:spMk id="8" creationId="{D0841C18-B399-C215-D4D4-8610F482EDA2}"/>
           </ac:spMkLst>
         </pc:spChg>
         <pc:spChg chg="del">
@@ -866,6 +975,22 @@
             <ac:spMk id="633" creationId="{448024FE-6EF3-A033-DA4F-6F6125369FDF}"/>
           </ac:spMkLst>
         </pc:spChg>
+        <pc:picChg chg="add del mod">
+          <ac:chgData name="Mario Aragón Valderrama" userId="ab42593c9091a3c7" providerId="LiveId" clId="{A94EC9C8-FC2E-45B4-829C-AEB6B286F687}" dt="2025-10-31T13:01:30.643" v="8361" actId="478"/>
+          <ac:picMkLst>
+            <pc:docMk/>
+            <pc:sldMk cId="2665368765" sldId="278"/>
+            <ac:picMk id="5" creationId="{00552E69-E804-A57A-E06C-34DCA73D6937}"/>
+          </ac:picMkLst>
+        </pc:picChg>
+        <pc:picChg chg="add mod">
+          <ac:chgData name="Mario Aragón Valderrama" userId="ab42593c9091a3c7" providerId="LiveId" clId="{A94EC9C8-FC2E-45B4-829C-AEB6B286F687}" dt="2025-10-31T13:12:25.131" v="8447" actId="1076"/>
+          <ac:picMkLst>
+            <pc:docMk/>
+            <pc:sldMk cId="2665368765" sldId="278"/>
+            <ac:picMk id="7" creationId="{9B9E24F2-CFA5-8337-CB06-8FA0C27089D4}"/>
+          </ac:picMkLst>
+        </pc:picChg>
       </pc:sldChg>
       <pc:sldChg chg="addSp modSp add mod">
         <pc:chgData name="Mario Aragón Valderrama" userId="ab42593c9091a3c7" providerId="LiveId" clId="{A94EC9C8-FC2E-45B4-829C-AEB6B286F687}" dt="2025-10-31T12:19:21.016" v="7511" actId="20577"/>
@@ -2352,7 +2477,7 @@
           </a:r>
           <a:r>
             <a:rPr lang="es-ES" sz="800" dirty="0"/>
-            <a:t>: Mario y Laura</a:t>
+            <a:t>: Mario, Laura y Melissa</a:t>
           </a:r>
         </a:p>
         <a:p>
@@ -2436,7 +2561,7 @@
           </a:r>
           <a:r>
             <a:rPr lang="es-ES" sz="800" dirty="0"/>
-            <a:t> – Mario y Laura</a:t>
+            <a:t> – Mario, Laura y Melissa</a:t>
           </a:r>
         </a:p>
         <a:p>
@@ -3309,7 +3434,7 @@
           </a:r>
           <a:r>
             <a:rPr lang="es-ES" sz="800" kern="1200" dirty="0"/>
-            <a:t>: Mario y Laura</a:t>
+            <a:t>: Mario, Laura y Melissa</a:t>
           </a:r>
         </a:p>
         <a:p>
@@ -3520,7 +3645,7 @@
           </a:r>
           <a:r>
             <a:rPr lang="es-ES" sz="800" kern="1200" dirty="0"/>
-            <a:t> – Mario y Laura</a:t>
+            <a:t> – Mario, Laura y Melissa</a:t>
           </a:r>
         </a:p>
         <a:p>
@@ -13608,25 +13733,182 @@
             <a:pPr lvl="0"/>
             <a:r>
               <a:rPr lang="es-ES" sz="2400" dirty="0"/>
-              <a:t>Ingeniería de Variables (</a:t>
-            </a:r>
-            <a:r>
-              <a:rPr lang="es-ES" sz="2400" dirty="0" err="1"/>
-              <a:t>Feature</a:t>
-            </a:r>
-            <a:r>
-              <a:rPr lang="es-ES" sz="2400" dirty="0"/>
-              <a:t> </a:t>
-            </a:r>
-            <a:r>
-              <a:rPr lang="es-ES" sz="2400" dirty="0" err="1"/>
-              <a:t>Engineering</a:t>
-            </a:r>
-            <a:r>
-              <a:rPr lang="es-ES" sz="2400" dirty="0"/>
-              <a:t>) 2/2</a:t>
+              <a:t>Ingeniería de Variables 2/2: selección</a:t>
             </a:r>
             <a:endParaRPr sz="2400" dirty="0"/>
+          </a:p>
+        </p:txBody>
+      </p:sp>
+      <p:sp>
+        <p:nvSpPr>
+          <p:cNvPr id="3" name="CuadroTexto 2">
+            <a:extLst>
+              <a:ext uri="{FF2B5EF4-FFF2-40B4-BE49-F238E27FC236}">
+                <a16:creationId xmlns:a16="http://schemas.microsoft.com/office/drawing/2014/main" id="{3F0E4919-B4FB-64E2-AEFB-C557656BB033}"/>
+              </a:ext>
+            </a:extLst>
+          </p:cNvPr>
+          <p:cNvSpPr txBox="1"/>
+          <p:nvPr/>
+        </p:nvSpPr>
+        <p:spPr>
+          <a:xfrm>
+            <a:off x="408790" y="1001614"/>
+            <a:ext cx="7842325" cy="1631216"/>
+          </a:xfrm>
+          <a:prstGeom prst="rect">
+            <a:avLst/>
+          </a:prstGeom>
+          <a:noFill/>
+        </p:spPr>
+        <p:txBody>
+          <a:bodyPr wrap="square" rtlCol="0">
+            <a:spAutoFit/>
+          </a:bodyPr>
+          <a:lstStyle/>
+          <a:p>
+            <a:r>
+              <a:rPr lang="es-ES" sz="1200" dirty="0"/>
+              <a:t>Sobre la base de datos imputada y transformada se realizaron </a:t>
+            </a:r>
+            <a:r>
+              <a:rPr lang="es-ES" sz="1200" dirty="0" err="1"/>
+              <a:t>tests</a:t>
+            </a:r>
+            <a:r>
+              <a:rPr lang="es-ES" sz="1200" dirty="0"/>
+              <a:t> de significancia para determinar qué variables son importantes para describir el comportamiento de la variable </a:t>
+            </a:r>
+            <a:r>
+              <a:rPr lang="es-ES" sz="1200" dirty="0" err="1"/>
+              <a:t>Exited</a:t>
+            </a:r>
+            <a:r>
+              <a:rPr lang="es-ES" sz="1200" dirty="0"/>
+              <a:t>.</a:t>
+            </a:r>
+          </a:p>
+          <a:p>
+            <a:endParaRPr lang="es-ES" sz="1200" dirty="0"/>
+          </a:p>
+          <a:p>
+            <a:r>
+              <a:rPr lang="es-ES" sz="1200" dirty="0"/>
+              <a:t>Variables numéricas: Test de mediana</a:t>
+            </a:r>
+          </a:p>
+          <a:p>
+            <a:r>
+              <a:rPr lang="es-ES" sz="1200" dirty="0"/>
+              <a:t>Variables categóricas: Test de Chi-cuadrado</a:t>
+            </a:r>
+          </a:p>
+          <a:p>
+            <a:endParaRPr lang="es-ES" sz="1200" dirty="0"/>
+          </a:p>
+          <a:p>
+            <a:r>
+              <a:rPr lang="es-ES" sz="1200" dirty="0"/>
+              <a:t>Las variables con un p-valor inferior a 0.05 han sido las siguientes:</a:t>
+            </a:r>
+          </a:p>
+          <a:p>
+            <a:endParaRPr lang="es-ES" sz="1200" dirty="0"/>
+          </a:p>
+        </p:txBody>
+      </p:sp>
+      <p:pic>
+        <p:nvPicPr>
+          <p:cNvPr id="7" name="Imagen 6">
+            <a:extLst>
+              <a:ext uri="{FF2B5EF4-FFF2-40B4-BE49-F238E27FC236}">
+                <a16:creationId xmlns:a16="http://schemas.microsoft.com/office/drawing/2014/main" id="{9B9E24F2-CFA5-8337-CB06-8FA0C27089D4}"/>
+              </a:ext>
+            </a:extLst>
+          </p:cNvPr>
+          <p:cNvPicPr>
+            <a:picLocks noChangeAspect="1"/>
+          </p:cNvPicPr>
+          <p:nvPr/>
+        </p:nvPicPr>
+        <p:blipFill>
+          <a:blip r:embed="rId3"/>
+          <a:stretch>
+            <a:fillRect/>
+          </a:stretch>
+        </p:blipFill>
+        <p:spPr>
+          <a:xfrm>
+            <a:off x="408790" y="2434793"/>
+            <a:ext cx="4677428" cy="1524213"/>
+          </a:xfrm>
+          <a:prstGeom prst="rect">
+            <a:avLst/>
+          </a:prstGeom>
+        </p:spPr>
+      </p:pic>
+      <p:sp>
+        <p:nvSpPr>
+          <p:cNvPr id="8" name="CuadroTexto 7">
+            <a:extLst>
+              <a:ext uri="{FF2B5EF4-FFF2-40B4-BE49-F238E27FC236}">
+                <a16:creationId xmlns:a16="http://schemas.microsoft.com/office/drawing/2014/main" id="{D0841C18-B399-C215-D4D4-8610F482EDA2}"/>
+              </a:ext>
+            </a:extLst>
+          </p:cNvPr>
+          <p:cNvSpPr txBox="1"/>
+          <p:nvPr/>
+        </p:nvSpPr>
+        <p:spPr>
+          <a:xfrm>
+            <a:off x="408790" y="3959006"/>
+            <a:ext cx="8326420" cy="1015663"/>
+          </a:xfrm>
+          <a:prstGeom prst="rect">
+            <a:avLst/>
+          </a:prstGeom>
+          <a:noFill/>
+        </p:spPr>
+        <p:txBody>
+          <a:bodyPr wrap="square" rtlCol="0">
+            <a:spAutoFit/>
+          </a:bodyPr>
+          <a:lstStyle/>
+          <a:p>
+            <a:r>
+              <a:rPr lang="es-ES" sz="1200" dirty="0"/>
+              <a:t>No obstante, ya se realizó este test antes de la imputación de NA, y las variables </a:t>
+            </a:r>
+            <a:r>
+              <a:rPr lang="es-ES" sz="1200" dirty="0" err="1"/>
+              <a:t>EstimatedSalary</a:t>
+            </a:r>
+            <a:r>
+              <a:rPr lang="es-ES" sz="1200" dirty="0"/>
+              <a:t> y </a:t>
+            </a:r>
+            <a:r>
+              <a:rPr lang="es-ES" sz="1200" dirty="0" err="1"/>
+              <a:t>CreditScore</a:t>
+            </a:r>
+            <a:r>
+              <a:rPr lang="es-ES" sz="1200" dirty="0"/>
+              <a:t> resultaban significativas con un p-valor muy cercano a 0.05. </a:t>
+            </a:r>
+          </a:p>
+          <a:p>
+            <a:r>
+              <a:rPr lang="es-ES" sz="1200" dirty="0"/>
+              <a:t>Este resultado no es inesperado, ya que anteriormente presentaban p-valores sólo ligeramente inferiores a 0,05, lo que ya indicaba una significación marginal. No obstante, se probará el modelo para la base </a:t>
+            </a:r>
+            <a:r>
+              <a:rPr lang="es-ES" sz="1200"/>
+              <a:t>de datos reducida </a:t>
+            </a:r>
+            <a:r>
+              <a:rPr lang="es-ES" sz="1200" dirty="0"/>
+              <a:t>con y sin esas dos variables para ver si realmente se obtienen resultados diferentes.</a:t>
+            </a:r>
           </a:p>
         </p:txBody>
       </p:sp>
@@ -15968,7 +16250,7 @@
           <p:nvPr>
             <p:extLst>
               <p:ext uri="{D42A27DB-BD31-4B8C-83A1-F6EECF244321}">
-                <p14:modId xmlns:p14="http://schemas.microsoft.com/office/powerpoint/2010/main" val="3992783458"/>
+                <p14:modId xmlns:p14="http://schemas.microsoft.com/office/powerpoint/2010/main" val="3748389943"/>
               </p:ext>
             </p:extLst>
           </p:nvPr>
@@ -16780,7 +17062,7 @@
         </p:nvSpPr>
         <p:spPr>
           <a:xfrm>
-            <a:off x="139086" y="496469"/>
+            <a:off x="139087" y="514239"/>
             <a:ext cx="9004913" cy="572700"/>
           </a:xfrm>
           <a:prstGeom prst="rect">
@@ -16796,25 +17078,361 @@
             <a:pPr lvl="0"/>
             <a:r>
               <a:rPr lang="es-ES" sz="2400" dirty="0"/>
-              <a:t>Ingeniería de Variables (</a:t>
-            </a:r>
-            <a:r>
-              <a:rPr lang="es-ES" sz="2400" dirty="0" err="1"/>
-              <a:t>Feature</a:t>
-            </a:r>
-            <a:r>
-              <a:rPr lang="es-ES" sz="2400" dirty="0"/>
-              <a:t> </a:t>
-            </a:r>
-            <a:r>
-              <a:rPr lang="es-ES" sz="2400" dirty="0" err="1"/>
-              <a:t>Engineering</a:t>
-            </a:r>
-            <a:r>
-              <a:rPr lang="es-ES" sz="2400" dirty="0"/>
-              <a:t>) 1/2</a:t>
+              <a:t>Ingeniería de Variables ½: transformación</a:t>
             </a:r>
             <a:endParaRPr sz="2400" dirty="0"/>
+          </a:p>
+        </p:txBody>
+      </p:sp>
+      <p:sp>
+        <p:nvSpPr>
+          <p:cNvPr id="2" name="CuadroTexto 1">
+            <a:extLst>
+              <a:ext uri="{FF2B5EF4-FFF2-40B4-BE49-F238E27FC236}">
+                <a16:creationId xmlns:a16="http://schemas.microsoft.com/office/drawing/2014/main" id="{850C95A2-487A-DD08-1994-9119B199CE78}"/>
+              </a:ext>
+            </a:extLst>
+          </p:cNvPr>
+          <p:cNvSpPr txBox="1"/>
+          <p:nvPr/>
+        </p:nvSpPr>
+        <p:spPr>
+          <a:xfrm>
+            <a:off x="349607" y="1114861"/>
+            <a:ext cx="3948057" cy="1169551"/>
+          </a:xfrm>
+          <a:prstGeom prst="rect">
+            <a:avLst/>
+          </a:prstGeom>
+          <a:noFill/>
+        </p:spPr>
+        <p:txBody>
+          <a:bodyPr wrap="square" rtlCol="0">
+            <a:spAutoFit/>
+          </a:bodyPr>
+          <a:lstStyle/>
+          <a:p>
+            <a:pPr algn="just"/>
+            <a:r>
+              <a:rPr lang="es-ES" b="1" dirty="0" err="1"/>
+              <a:t>ComplaintsCount</a:t>
+            </a:r>
+            <a:endParaRPr lang="es-ES" b="1" dirty="0"/>
+          </a:p>
+          <a:p>
+            <a:pPr algn="just"/>
+            <a:r>
+              <a:rPr lang="es-ES" dirty="0"/>
+              <a:t>Se ha optado por </a:t>
+            </a:r>
+            <a:r>
+              <a:rPr lang="es-ES" dirty="0" err="1"/>
+              <a:t>dummyficar</a:t>
+            </a:r>
+            <a:r>
+              <a:rPr lang="es-ES" dirty="0"/>
+              <a:t> esta variable, de modo que la información se reduce a si el cliente ha emitido alguna queja o no. Pasa de numérica a factor binario.</a:t>
+            </a:r>
+          </a:p>
+        </p:txBody>
+      </p:sp>
+      <p:pic>
+        <p:nvPicPr>
+          <p:cNvPr id="6" name="Imagen 5">
+            <a:extLst>
+              <a:ext uri="{FF2B5EF4-FFF2-40B4-BE49-F238E27FC236}">
+                <a16:creationId xmlns:a16="http://schemas.microsoft.com/office/drawing/2014/main" id="{CAA4D302-3728-C348-1B0F-95C66B65D0F8}"/>
+              </a:ext>
+            </a:extLst>
+          </p:cNvPr>
+          <p:cNvPicPr>
+            <a:picLocks noChangeAspect="1"/>
+          </p:cNvPicPr>
+          <p:nvPr/>
+        </p:nvPicPr>
+        <p:blipFill>
+          <a:blip r:embed="rId3"/>
+          <a:stretch>
+            <a:fillRect/>
+          </a:stretch>
+        </p:blipFill>
+        <p:spPr>
+          <a:xfrm>
+            <a:off x="139086" y="2274261"/>
+            <a:ext cx="1794612" cy="2110462"/>
+          </a:xfrm>
+          <a:prstGeom prst="rect">
+            <a:avLst/>
+          </a:prstGeom>
+        </p:spPr>
+      </p:pic>
+      <p:pic>
+        <p:nvPicPr>
+          <p:cNvPr id="8" name="Imagen 7">
+            <a:extLst>
+              <a:ext uri="{FF2B5EF4-FFF2-40B4-BE49-F238E27FC236}">
+                <a16:creationId xmlns:a16="http://schemas.microsoft.com/office/drawing/2014/main" id="{EFE9C1C0-BC77-C605-271B-8BF916B4DF5D}"/>
+              </a:ext>
+            </a:extLst>
+          </p:cNvPr>
+          <p:cNvPicPr>
+            <a:picLocks noChangeAspect="1"/>
+          </p:cNvPicPr>
+          <p:nvPr/>
+        </p:nvPicPr>
+        <p:blipFill>
+          <a:blip r:embed="rId4"/>
+          <a:stretch>
+            <a:fillRect/>
+          </a:stretch>
+        </p:blipFill>
+        <p:spPr>
+          <a:xfrm>
+            <a:off x="2586585" y="2274261"/>
+            <a:ext cx="1776956" cy="2315110"/>
+          </a:xfrm>
+          <a:prstGeom prst="rect">
+            <a:avLst/>
+          </a:prstGeom>
+        </p:spPr>
+      </p:pic>
+      <p:sp>
+        <p:nvSpPr>
+          <p:cNvPr id="9" name="Flecha: a la derecha 8">
+            <a:extLst>
+              <a:ext uri="{FF2B5EF4-FFF2-40B4-BE49-F238E27FC236}">
+                <a16:creationId xmlns:a16="http://schemas.microsoft.com/office/drawing/2014/main" id="{51263BE0-F9B9-D8D0-3B0A-0A88CEDFD45D}"/>
+              </a:ext>
+            </a:extLst>
+          </p:cNvPr>
+          <p:cNvSpPr/>
+          <p:nvPr/>
+        </p:nvSpPr>
+        <p:spPr>
+          <a:xfrm>
+            <a:off x="2091624" y="3195186"/>
+            <a:ext cx="445766" cy="290456"/>
+          </a:xfrm>
+          <a:prstGeom prst="rightArrow">
+            <a:avLst/>
+          </a:prstGeom>
+        </p:spPr>
+        <p:style>
+          <a:lnRef idx="2">
+            <a:schemeClr val="accent1">
+              <a:shade val="15000"/>
+            </a:schemeClr>
+          </a:lnRef>
+          <a:fillRef idx="1">
+            <a:schemeClr val="accent1"/>
+          </a:fillRef>
+          <a:effectRef idx="0">
+            <a:schemeClr val="accent1"/>
+          </a:effectRef>
+          <a:fontRef idx="minor">
+            <a:schemeClr val="lt1"/>
+          </a:fontRef>
+        </p:style>
+        <p:txBody>
+          <a:bodyPr rtlCol="0" anchor="ctr"/>
+          <a:lstStyle/>
+          <a:p>
+            <a:pPr algn="ctr"/>
+            <a:endParaRPr lang="es-ES"/>
+          </a:p>
+        </p:txBody>
+      </p:sp>
+      <p:sp>
+        <p:nvSpPr>
+          <p:cNvPr id="10" name="CuadroTexto 9">
+            <a:extLst>
+              <a:ext uri="{FF2B5EF4-FFF2-40B4-BE49-F238E27FC236}">
+                <a16:creationId xmlns:a16="http://schemas.microsoft.com/office/drawing/2014/main" id="{CB8960E5-90AD-AE6F-6756-4BF481848451}"/>
+              </a:ext>
+            </a:extLst>
+          </p:cNvPr>
+          <p:cNvSpPr txBox="1"/>
+          <p:nvPr/>
+        </p:nvSpPr>
+        <p:spPr>
+          <a:xfrm>
+            <a:off x="5030976" y="1086939"/>
+            <a:ext cx="3948057" cy="1169551"/>
+          </a:xfrm>
+          <a:prstGeom prst="rect">
+            <a:avLst/>
+          </a:prstGeom>
+          <a:noFill/>
+        </p:spPr>
+        <p:txBody>
+          <a:bodyPr wrap="square" rtlCol="0">
+            <a:spAutoFit/>
+          </a:bodyPr>
+          <a:lstStyle/>
+          <a:p>
+            <a:pPr algn="just"/>
+            <a:r>
+              <a:rPr lang="es-ES" b="1" dirty="0" err="1"/>
+              <a:t>NumOfProducts</a:t>
+            </a:r>
+            <a:endParaRPr lang="es-ES" b="1" dirty="0"/>
+          </a:p>
+          <a:p>
+            <a:pPr algn="just"/>
+            <a:r>
+              <a:rPr lang="es-ES" dirty="0"/>
+              <a:t>Tras observar que la mayoría de clientes tienen 1 o 2 productos, y que una minoría tiene 3 o más, se ha decidido categorizar la variable con las categorías 1,2 y +3 productos.</a:t>
+            </a:r>
+          </a:p>
+        </p:txBody>
+      </p:sp>
+      <p:sp>
+        <p:nvSpPr>
+          <p:cNvPr id="11" name="Elipse 10">
+            <a:extLst>
+              <a:ext uri="{FF2B5EF4-FFF2-40B4-BE49-F238E27FC236}">
+                <a16:creationId xmlns:a16="http://schemas.microsoft.com/office/drawing/2014/main" id="{6AD0D5AA-59C3-51F4-0CA3-5085BFED3E06}"/>
+              </a:ext>
+            </a:extLst>
+          </p:cNvPr>
+          <p:cNvSpPr/>
+          <p:nvPr/>
+        </p:nvSpPr>
+        <p:spPr>
+          <a:xfrm>
+            <a:off x="4503028" y="1114861"/>
+            <a:ext cx="91823" cy="3683050"/>
+          </a:xfrm>
+          <a:prstGeom prst="ellipse">
+            <a:avLst/>
+          </a:prstGeom>
+        </p:spPr>
+        <p:style>
+          <a:lnRef idx="1">
+            <a:schemeClr val="accent3"/>
+          </a:lnRef>
+          <a:fillRef idx="2">
+            <a:schemeClr val="accent3"/>
+          </a:fillRef>
+          <a:effectRef idx="1">
+            <a:schemeClr val="accent3"/>
+          </a:effectRef>
+          <a:fontRef idx="minor">
+            <a:schemeClr val="dk1"/>
+          </a:fontRef>
+        </p:style>
+        <p:txBody>
+          <a:bodyPr rtlCol="0" anchor="ctr"/>
+          <a:lstStyle/>
+          <a:p>
+            <a:pPr algn="ctr"/>
+            <a:endParaRPr lang="es-ES"/>
+          </a:p>
+        </p:txBody>
+      </p:sp>
+      <p:pic>
+        <p:nvPicPr>
+          <p:cNvPr id="13" name="Imagen 12">
+            <a:extLst>
+              <a:ext uri="{FF2B5EF4-FFF2-40B4-BE49-F238E27FC236}">
+                <a16:creationId xmlns:a16="http://schemas.microsoft.com/office/drawing/2014/main" id="{8BEEE918-019D-2D4E-8CB9-46C84E615698}"/>
+              </a:ext>
+            </a:extLst>
+          </p:cNvPr>
+          <p:cNvPicPr>
+            <a:picLocks noChangeAspect="1"/>
+          </p:cNvPicPr>
+          <p:nvPr/>
+        </p:nvPicPr>
+        <p:blipFill>
+          <a:blip r:embed="rId5"/>
+          <a:stretch>
+            <a:fillRect/>
+          </a:stretch>
+        </p:blipFill>
+        <p:spPr>
+          <a:xfrm>
+            <a:off x="7052376" y="2182859"/>
+            <a:ext cx="2022543" cy="2315110"/>
+          </a:xfrm>
+          <a:prstGeom prst="rect">
+            <a:avLst/>
+          </a:prstGeom>
+        </p:spPr>
+      </p:pic>
+      <p:pic>
+        <p:nvPicPr>
+          <p:cNvPr id="15" name="Imagen 14">
+            <a:extLst>
+              <a:ext uri="{FF2B5EF4-FFF2-40B4-BE49-F238E27FC236}">
+                <a16:creationId xmlns:a16="http://schemas.microsoft.com/office/drawing/2014/main" id="{F1EAD923-4663-2DF2-5645-25E9EBBFBE0D}"/>
+              </a:ext>
+            </a:extLst>
+          </p:cNvPr>
+          <p:cNvPicPr>
+            <a:picLocks noChangeAspect="1"/>
+          </p:cNvPicPr>
+          <p:nvPr/>
+        </p:nvPicPr>
+        <p:blipFill>
+          <a:blip r:embed="rId6"/>
+          <a:stretch>
+            <a:fillRect/>
+          </a:stretch>
+        </p:blipFill>
+        <p:spPr>
+          <a:xfrm>
+            <a:off x="4799666" y="2256490"/>
+            <a:ext cx="1878076" cy="2280143"/>
+          </a:xfrm>
+          <a:prstGeom prst="rect">
+            <a:avLst/>
+          </a:prstGeom>
+        </p:spPr>
+      </p:pic>
+      <p:sp>
+        <p:nvSpPr>
+          <p:cNvPr id="16" name="Flecha: a la derecha 15">
+            <a:extLst>
+              <a:ext uri="{FF2B5EF4-FFF2-40B4-BE49-F238E27FC236}">
+                <a16:creationId xmlns:a16="http://schemas.microsoft.com/office/drawing/2014/main" id="{A04C3FC8-534D-282D-E8B8-7A80F41C547F}"/>
+              </a:ext>
+            </a:extLst>
+          </p:cNvPr>
+          <p:cNvSpPr/>
+          <p:nvPr/>
+        </p:nvSpPr>
+        <p:spPr>
+          <a:xfrm>
+            <a:off x="6604147" y="3232001"/>
+            <a:ext cx="400857" cy="290456"/>
+          </a:xfrm>
+          <a:prstGeom prst="rightArrow">
+            <a:avLst/>
+          </a:prstGeom>
+        </p:spPr>
+        <p:style>
+          <a:lnRef idx="2">
+            <a:schemeClr val="accent1">
+              <a:shade val="15000"/>
+            </a:schemeClr>
+          </a:lnRef>
+          <a:fillRef idx="1">
+            <a:schemeClr val="accent1"/>
+          </a:fillRef>
+          <a:effectRef idx="0">
+            <a:schemeClr val="accent1"/>
+          </a:effectRef>
+          <a:fontRef idx="minor">
+            <a:schemeClr val="lt1"/>
+          </a:fontRef>
+        </p:style>
+        <p:txBody>
+          <a:bodyPr rtlCol="0" anchor="ctr"/>
+          <a:lstStyle/>
+          <a:p>
+            <a:pPr algn="ctr"/>
+            <a:endParaRPr lang="es-ES"/>
           </a:p>
         </p:txBody>
       </p:sp>

--- a/Entrega_1/0 - REPORTE/REPORTE.pptx
+++ b/Entrega_1/0 - REPORTE/REPORTE.pptx
@@ -316,7 +316,7 @@
   <pc:docChgLst>
     <pc:chgData name="Mario Aragón Valderrama" userId="ab42593c9091a3c7" providerId="LiveId" clId="{A94EC9C8-FC2E-45B4-829C-AEB6B286F687}"/>
     <pc:docChg chg="undo custSel addSld delSld modSld">
-      <pc:chgData name="Mario Aragón Valderrama" userId="ab42593c9091a3c7" providerId="LiveId" clId="{A94EC9C8-FC2E-45B4-829C-AEB6B286F687}" dt="2025-10-31T13:21:45.430" v="9015" actId="20577"/>
+      <pc:chgData name="Mario Aragón Valderrama" userId="ab42593c9091a3c7" providerId="LiveId" clId="{A94EC9C8-FC2E-45B4-829C-AEB6B286F687}" dt="2025-11-01T10:09:46.458" v="9474" actId="1076"/>
       <pc:docMkLst>
         <pc:docMk/>
       </pc:docMkLst>
@@ -812,17 +812,25 @@
         </pc:picChg>
       </pc:sldChg>
       <pc:sldChg chg="addSp modSp add mod">
-        <pc:chgData name="Mario Aragón Valderrama" userId="ab42593c9091a3c7" providerId="LiveId" clId="{A94EC9C8-FC2E-45B4-829C-AEB6B286F687}" dt="2025-10-31T11:42:03.867" v="5695" actId="20577"/>
+        <pc:chgData name="Mario Aragón Valderrama" userId="ab42593c9091a3c7" providerId="LiveId" clId="{A94EC9C8-FC2E-45B4-829C-AEB6B286F687}" dt="2025-11-01T10:09:46.458" v="9474" actId="1076"/>
         <pc:sldMkLst>
           <pc:docMk/>
           <pc:sldMk cId="2847445187" sldId="276"/>
         </pc:sldMkLst>
         <pc:spChg chg="add mod">
-          <ac:chgData name="Mario Aragón Valderrama" userId="ab42593c9091a3c7" providerId="LiveId" clId="{A94EC9C8-FC2E-45B4-829C-AEB6B286F687}" dt="2025-10-31T11:42:03.867" v="5695" actId="20577"/>
+          <ac:chgData name="Mario Aragón Valderrama" userId="ab42593c9091a3c7" providerId="LiveId" clId="{A94EC9C8-FC2E-45B4-829C-AEB6B286F687}" dt="2025-11-01T10:09:12.932" v="9467" actId="21"/>
           <ac:spMkLst>
             <pc:docMk/>
             <pc:sldMk cId="2847445187" sldId="276"/>
             <ac:spMk id="2" creationId="{5DC7541B-2A18-96CC-C402-B28CE1DC2D53}"/>
+          </ac:spMkLst>
+        </pc:spChg>
+        <pc:spChg chg="add mod">
+          <ac:chgData name="Mario Aragón Valderrama" userId="ab42593c9091a3c7" providerId="LiveId" clId="{A94EC9C8-FC2E-45B4-829C-AEB6B286F687}" dt="2025-11-01T10:09:46.458" v="9474" actId="1076"/>
+          <ac:spMkLst>
+            <pc:docMk/>
+            <pc:sldMk cId="2847445187" sldId="276"/>
+            <ac:spMk id="3" creationId="{2D950360-EF11-CB26-4AFA-7F7280BA4019}"/>
           </ac:spMkLst>
         </pc:spChg>
         <pc:spChg chg="mod">
@@ -16848,7 +16856,7 @@
         <p:spPr>
           <a:xfrm>
             <a:off x="580912" y="742295"/>
-            <a:ext cx="8272631" cy="4401205"/>
+            <a:ext cx="8272631" cy="3785652"/>
           </a:xfrm>
           <a:prstGeom prst="rect">
             <a:avLst/>
@@ -16862,8 +16870,218 @@
           <a:lstStyle/>
           <a:p>
             <a:r>
+              <a:rPr lang="es-ES" sz="1200" dirty="0"/>
+              <a:t>A nivel univariante se detectó para algunas variables cierto número de </a:t>
+            </a:r>
+            <a:r>
+              <a:rPr lang="es-ES" sz="1200" dirty="0" err="1"/>
+              <a:t>outliers</a:t>
+            </a:r>
+            <a:r>
+              <a:rPr lang="es-ES" sz="1200" dirty="0"/>
+              <a:t>.</a:t>
+            </a:r>
+          </a:p>
+          <a:p>
+            <a:r>
+              <a:rPr lang="es-ES" sz="1200" dirty="0"/>
+              <a:t>Univariante numérica: </a:t>
+            </a:r>
+            <a:r>
+              <a:rPr lang="es-ES" sz="1200" b="1" i="1" dirty="0"/>
+              <a:t>variables simétricas -&gt; Método IQR (1.5), </a:t>
+            </a:r>
+          </a:p>
+          <a:p>
+            <a:r>
+              <a:rPr lang="es-ES" sz="1200" b="1" i="1" dirty="0"/>
+              <a:t>variables no simétricas -&gt; </a:t>
+            </a:r>
+            <a:r>
+              <a:rPr lang="es-ES" sz="1200" b="1" i="1" dirty="0" err="1"/>
+              <a:t>Hampel</a:t>
+            </a:r>
+            <a:r>
+              <a:rPr lang="es-ES" sz="1200" b="1" i="1" dirty="0"/>
+              <a:t> </a:t>
+            </a:r>
+            <a:r>
+              <a:rPr lang="es-ES" sz="1200" b="1" i="1" dirty="0" err="1"/>
+              <a:t>identifier</a:t>
+            </a:r>
+            <a:r>
+              <a:rPr lang="es-ES" sz="1200" b="1" i="1" dirty="0"/>
+              <a:t> (trabaja con mediana y Median Absolute </a:t>
+            </a:r>
+            <a:r>
+              <a:rPr lang="es-ES" sz="1200" b="1" i="1" dirty="0" err="1"/>
+              <a:t>Deviation</a:t>
+            </a:r>
+            <a:r>
+              <a:rPr lang="es-ES" sz="1200" b="1" i="1" dirty="0"/>
+              <a:t>)</a:t>
+            </a:r>
+          </a:p>
+          <a:p>
+            <a:r>
+              <a:rPr lang="es-ES" sz="1200" b="1" i="1" dirty="0"/>
+              <a:t>Univariante categórica: frecuencias relativas</a:t>
+            </a:r>
+          </a:p>
+          <a:p>
+            <a:r>
+              <a:rPr lang="es-ES" sz="1200" dirty="0"/>
+              <a:t>- Su proporción respecto al total de la variable (&lt;5% en todos los casos)</a:t>
+            </a:r>
+          </a:p>
+          <a:p>
+            <a:r>
+              <a:rPr lang="es-ES" sz="1200" dirty="0"/>
+              <a:t>- Su valor (no había valores imposibles </a:t>
+            </a:r>
+            <a:r>
+              <a:rPr lang="es-ES" sz="1200" dirty="0" err="1"/>
+              <a:t>ej</a:t>
+            </a:r>
+            <a:r>
+              <a:rPr lang="es-ES" sz="1200" dirty="0"/>
+              <a:t>: edad=999)</a:t>
+            </a:r>
+          </a:p>
+          <a:p>
+            <a:endParaRPr lang="es-ES" sz="1200" dirty="0"/>
+          </a:p>
+          <a:p>
+            <a:r>
+              <a:rPr lang="es-ES" sz="1200" dirty="0"/>
+              <a:t>A nivel multivariante: se utilizó </a:t>
+            </a:r>
+            <a:r>
+              <a:rPr lang="es-ES" sz="1200" b="1" dirty="0"/>
+              <a:t>distancia de </a:t>
+            </a:r>
+            <a:r>
+              <a:rPr lang="es-ES" sz="1200" b="1" dirty="0" err="1"/>
+              <a:t>Mahalanobis</a:t>
+            </a:r>
+            <a:r>
+              <a:rPr lang="es-ES" sz="1200" b="1" dirty="0"/>
+              <a:t> </a:t>
+            </a:r>
+            <a:r>
+              <a:rPr lang="es-ES" sz="1200" dirty="0"/>
+              <a:t>acompañada de algunos </a:t>
+            </a:r>
+            <a:r>
+              <a:rPr lang="es-ES" sz="1200" b="1" dirty="0"/>
+              <a:t>gráficos bivariantes.</a:t>
+            </a:r>
+          </a:p>
+          <a:p>
+            <a:endParaRPr lang="es-ES" sz="1200" dirty="0"/>
+          </a:p>
+          <a:p>
+            <a:r>
+              <a:rPr lang="es-ES" sz="1200" dirty="0"/>
+              <a:t>- La mayoría de las observaciones presentan distancias de </a:t>
+            </a:r>
+            <a:r>
+              <a:rPr lang="es-ES" sz="1200" dirty="0" err="1"/>
+              <a:t>Mahalanobis</a:t>
+            </a:r>
+            <a:r>
+              <a:rPr lang="es-ES" sz="1200" dirty="0"/>
+              <a:t> dentro del rango esperado</a:t>
+            </a:r>
+          </a:p>
+          <a:p>
+            <a:endParaRPr lang="es-ES" sz="1200" dirty="0"/>
+          </a:p>
+          <a:p>
+            <a:r>
+              <a:rPr lang="es-ES" sz="1200" dirty="0"/>
+              <a:t>- Se detectaron unas pocas observaciones con distancias significativamente mayores, situadas en la cola derecha de la distribución. Corresponden a puntos de edad, salario estimado y balance. </a:t>
+            </a:r>
+          </a:p>
+          <a:p>
+            <a:endParaRPr lang="es-ES" sz="1200" dirty="0"/>
+          </a:p>
+          <a:p>
+            <a:r>
+              <a:rPr lang="es-ES" sz="1200" dirty="0"/>
+              <a:t>Tras analizar las distribuciones y los valores extremos de dichas variables se concluye que no son valores imposibles, y que pueden haber aparecido fruto de la aleatoriedad. </a:t>
+            </a:r>
+            <a:r>
+              <a:rPr lang="es-ES" sz="1200" b="1" u="sng" dirty="0"/>
+              <a:t>Se decide mantener los </a:t>
+            </a:r>
+            <a:r>
+              <a:rPr lang="es-ES" sz="1200" b="1" u="sng" dirty="0" err="1"/>
+              <a:t>outliers</a:t>
+            </a:r>
+            <a:r>
+              <a:rPr lang="es-ES" sz="1200" b="1" u="sng" dirty="0"/>
+              <a:t>.</a:t>
+            </a:r>
+          </a:p>
+          <a:p>
+            <a:endParaRPr lang="es-ES" sz="1200" dirty="0"/>
+          </a:p>
+          <a:p>
+            <a:endParaRPr lang="es-ES" sz="1200" dirty="0"/>
+          </a:p>
+          <a:p>
+            <a:endParaRPr lang="es-ES" sz="1200" dirty="0"/>
+          </a:p>
+          <a:p>
+            <a:endParaRPr lang="es-ES" sz="1200" dirty="0"/>
+          </a:p>
+        </p:txBody>
+      </p:sp>
+      <p:sp>
+        <p:nvSpPr>
+          <p:cNvPr id="3" name="CuadroTexto 2">
+            <a:extLst>
+              <a:ext uri="{FF2B5EF4-FFF2-40B4-BE49-F238E27FC236}">
+                <a16:creationId xmlns:a16="http://schemas.microsoft.com/office/drawing/2014/main" id="{2D950360-EF11-CB26-4AFA-7F7280BA4019}"/>
+              </a:ext>
+            </a:extLst>
+          </p:cNvPr>
+          <p:cNvSpPr txBox="1"/>
+          <p:nvPr/>
+        </p:nvSpPr>
+        <p:spPr>
+          <a:xfrm>
+            <a:off x="704243" y="3923868"/>
+            <a:ext cx="8025967" cy="954107"/>
+          </a:xfrm>
+          <a:prstGeom prst="rect">
+            <a:avLst/>
+          </a:prstGeom>
+        </p:spPr>
+        <p:style>
+          <a:lnRef idx="3">
+            <a:schemeClr val="lt1"/>
+          </a:lnRef>
+          <a:fillRef idx="1">
+            <a:schemeClr val="accent1"/>
+          </a:fillRef>
+          <a:effectRef idx="1">
+            <a:schemeClr val="accent1"/>
+          </a:effectRef>
+          <a:fontRef idx="minor">
+            <a:schemeClr val="lt1"/>
+          </a:fontRef>
+        </p:style>
+        <p:txBody>
+          <a:bodyPr wrap="square" rtlCol="0">
+            <a:spAutoFit/>
+          </a:bodyPr>
+          <a:lstStyle/>
+          <a:p>
+            <a:r>
               <a:rPr lang="es-ES" dirty="0"/>
-              <a:t>A nivel univariante se detectó para algunas variables cierto número de </a:t>
+              <a:t>Se realizó un estudio de </a:t>
             </a:r>
             <a:r>
               <a:rPr lang="es-ES" dirty="0" err="1"/>
@@ -16871,79 +17089,7 @@
             </a:r>
             <a:r>
               <a:rPr lang="es-ES" dirty="0"/>
-              <a:t>.</a:t>
-            </a:r>
-          </a:p>
-          <a:p>
-            <a:r>
-              <a:rPr lang="es-ES" dirty="0"/>
-              <a:t>Univariante numérica: </a:t>
-            </a:r>
-            <a:r>
-              <a:rPr lang="es-ES" b="1" i="1" dirty="0"/>
-              <a:t>variables simétricas -&gt; Método IQR (1.5), </a:t>
-            </a:r>
-          </a:p>
-          <a:p>
-            <a:r>
-              <a:rPr lang="es-ES" b="1" i="1" dirty="0"/>
-              <a:t>variables no simétricas -&gt; </a:t>
-            </a:r>
-            <a:r>
-              <a:rPr lang="es-ES" b="1" i="1" dirty="0" err="1"/>
-              <a:t>Hampel</a:t>
-            </a:r>
-            <a:r>
-              <a:rPr lang="es-ES" b="1" i="1" dirty="0"/>
-              <a:t> </a:t>
-            </a:r>
-            <a:r>
-              <a:rPr lang="es-ES" b="1" i="1" dirty="0" err="1"/>
-              <a:t>identifier</a:t>
-            </a:r>
-            <a:r>
-              <a:rPr lang="es-ES" b="1" i="1" dirty="0"/>
-              <a:t> (trabaja con mediana y Median Absolute </a:t>
-            </a:r>
-            <a:r>
-              <a:rPr lang="es-ES" b="1" i="1" dirty="0" err="1"/>
-              <a:t>Deviation</a:t>
-            </a:r>
-            <a:r>
-              <a:rPr lang="es-ES" b="1" i="1" dirty="0"/>
-              <a:t>)</a:t>
-            </a:r>
-          </a:p>
-          <a:p>
-            <a:r>
-              <a:rPr lang="es-ES" b="1" i="1" dirty="0"/>
-              <a:t>Univariante categórica: frecuencias relativas</a:t>
-            </a:r>
-          </a:p>
-          <a:p>
-            <a:r>
-              <a:rPr lang="es-ES" dirty="0"/>
-              <a:t>- Su proporción respecto al total de la variable (&lt;5% en todos los casos)</a:t>
-            </a:r>
-          </a:p>
-          <a:p>
-            <a:r>
-              <a:rPr lang="es-ES" dirty="0"/>
-              <a:t>- Su valor (no había valores imposibles </a:t>
-            </a:r>
-            <a:r>
-              <a:rPr lang="es-ES" dirty="0" err="1"/>
-              <a:t>ej</a:t>
-            </a:r>
-            <a:r>
-              <a:rPr lang="es-ES" dirty="0"/>
-              <a:t>: edad=999)</a:t>
-            </a:r>
-          </a:p>
-          <a:p>
-            <a:r>
-              <a:rPr lang="es-ES" dirty="0"/>
-              <a:t>Nos hicieron entenderlos como fruto de la aleatoriedad. A nivel univariante no había motivos para tratar dichos </a:t>
+              <a:t> previo y posterior a la imputación, obteniendo los mismos resultados tanto a nivel univariante como multivariante, por lo que se decidió no tratar los </a:t>
             </a:r>
             <a:r>
               <a:rPr lang="es-ES" dirty="0" err="1"/>
@@ -16951,57 +17097,8 @@
             </a:r>
             <a:r>
               <a:rPr lang="es-ES" dirty="0"/>
-              <a:t> ni a nivel numérico ni categórico.</a:t>
-            </a:r>
-          </a:p>
-          <a:p>
-            <a:endParaRPr lang="es-ES" dirty="0"/>
-          </a:p>
-          <a:p>
-            <a:r>
-              <a:rPr lang="es-ES" dirty="0"/>
-              <a:t>A nivel multivariante</a:t>
-            </a:r>
-          </a:p>
-          <a:p>
-            <a:endParaRPr lang="es-ES" dirty="0"/>
-          </a:p>
-          <a:p>
-            <a:endParaRPr lang="es-ES" dirty="0"/>
-          </a:p>
-          <a:p>
-            <a:endParaRPr lang="es-ES" dirty="0"/>
-          </a:p>
-          <a:p>
-            <a:endParaRPr lang="es-ES" dirty="0"/>
-          </a:p>
-          <a:p>
-            <a:endParaRPr lang="es-ES" dirty="0"/>
-          </a:p>
-          <a:p>
-            <a:r>
-              <a:rPr lang="es-ES" dirty="0"/>
-              <a:t>Se realizó un estudio de </a:t>
-            </a:r>
-            <a:r>
-              <a:rPr lang="es-ES" dirty="0" err="1"/>
-              <a:t>outliers</a:t>
-            </a:r>
-            <a:r>
-              <a:rPr lang="es-ES" dirty="0"/>
-              <a:t> previo y posterior a la imputación, obteniendo los mismos resultados tanto a nivel univariante como multivariante, por lo que se decidió no tratar los </a:t>
-            </a:r>
-            <a:r>
-              <a:rPr lang="es-ES" dirty="0" err="1"/>
-              <a:t>outliers</a:t>
-            </a:r>
-            <a:r>
-              <a:rPr lang="es-ES" dirty="0"/>
-              <a:t> y aceptarlos como fruto de la normalidad.</a:t>
-            </a:r>
-          </a:p>
-          <a:p>
-            <a:endParaRPr lang="es-ES" dirty="0"/>
+              <a:t> y aceptarlos como fruto de la normalidad</a:t>
+            </a:r>
           </a:p>
           <a:p>
             <a:endParaRPr lang="es-ES" dirty="0"/>

--- a/Entrega_1/0 - REPORTE/REPORTE.pptx
+++ b/Entrega_1/0 - REPORTE/REPORTE.pptx
@@ -6762,7 +6762,7 @@
               </a:spcAft>
               <a:buNone/>
             </a:pPr>
-            <a:endParaRPr/>
+            <a:endParaRPr dirty="0"/>
           </a:p>
         </p:txBody>
       </p:sp>
@@ -15374,6 +15374,151 @@
           </a:p>
         </p:txBody>
       </p:sp>
+      <p:sp>
+        <p:nvSpPr>
+          <p:cNvPr id="3" name="CuadroTexto 2">
+            <a:extLst>
+              <a:ext uri="{FF2B5EF4-FFF2-40B4-BE49-F238E27FC236}">
+                <a16:creationId xmlns:a16="http://schemas.microsoft.com/office/drawing/2014/main" id="{6DD50AA9-EA06-88AD-9602-FB22841F2545}"/>
+              </a:ext>
+            </a:extLst>
+          </p:cNvPr>
+          <p:cNvSpPr txBox="1"/>
+          <p:nvPr/>
+        </p:nvSpPr>
+        <p:spPr>
+          <a:xfrm>
+            <a:off x="1027299" y="1310894"/>
+            <a:ext cx="7089401" cy="2985433"/>
+          </a:xfrm>
+          <a:prstGeom prst="rect">
+            <a:avLst/>
+          </a:prstGeom>
+          <a:noFill/>
+        </p:spPr>
+        <p:txBody>
+          <a:bodyPr wrap="square" rtlCol="0">
+            <a:spAutoFit/>
+          </a:bodyPr>
+          <a:lstStyle/>
+          <a:p>
+            <a:pPr algn="just"/>
+            <a:r>
+              <a:rPr lang="es-ES" sz="1200" dirty="0"/>
+              <a:t>Dado que los datos presentan un desbalance de clases —con un 80% de observaciones negativas (clientes que no se marchan del banco) y un 20% de observaciones positivas (clientes que sí se marchan), se aplicaron</a:t>
+            </a:r>
+            <a:r>
+              <a:rPr lang="es-ES" sz="1600" dirty="0"/>
+              <a:t> </a:t>
+            </a:r>
+            <a:r>
+              <a:rPr lang="es-ES" sz="1200" dirty="0"/>
+              <a:t>tres</a:t>
+            </a:r>
+            <a:r>
+              <a:rPr lang="es-ES" sz="1600" b="1" dirty="0"/>
+              <a:t> </a:t>
+            </a:r>
+            <a:r>
+              <a:rPr lang="es-ES" sz="1600" b="1" u="sng" dirty="0"/>
+              <a:t>técnicas de balanceo</a:t>
+            </a:r>
+            <a:r>
+              <a:rPr lang="es-ES" sz="1600" b="1" dirty="0"/>
+              <a:t> </a:t>
+            </a:r>
+            <a:r>
+              <a:rPr lang="es-ES" sz="1200" dirty="0"/>
+              <a:t>distintas: </a:t>
+            </a:r>
+            <a:r>
+              <a:rPr lang="es-ES" sz="1200" dirty="0" err="1"/>
+              <a:t>over-sampling</a:t>
+            </a:r>
+            <a:r>
+              <a:rPr lang="es-ES" sz="1200" dirty="0"/>
+              <a:t>, </a:t>
+            </a:r>
+            <a:r>
+              <a:rPr lang="es-ES" sz="1200" dirty="0" err="1"/>
+              <a:t>under-sampling</a:t>
+            </a:r>
+            <a:r>
+              <a:rPr lang="es-ES" sz="1200" dirty="0"/>
+              <a:t> y ROSE. Los resultados obtenidos no muestran diferencias significativas entre estos métodos.  Se ha comprobado que una vez balanceado los datos, se obtienen mejores resultados.</a:t>
+            </a:r>
+          </a:p>
+          <a:p>
+            <a:pPr algn="just"/>
+            <a:endParaRPr lang="es-ES" sz="1200" dirty="0"/>
+          </a:p>
+          <a:p>
+            <a:pPr algn="just"/>
+            <a:r>
+              <a:rPr lang="es-ES" sz="1200" dirty="0"/>
+              <a:t>Para el modelado mediante KNN se empleó la técnica </a:t>
+            </a:r>
+            <a:r>
+              <a:rPr lang="es-ES" sz="1600" b="1" u="sng" dirty="0"/>
+              <a:t>FAMD</a:t>
+            </a:r>
+            <a:r>
+              <a:rPr lang="es-ES" sz="1200" b="1" dirty="0"/>
+              <a:t> </a:t>
+            </a:r>
+            <a:r>
+              <a:rPr lang="es-ES" sz="1200" dirty="0"/>
+              <a:t>(Factor </a:t>
+            </a:r>
+            <a:r>
+              <a:rPr lang="es-ES" sz="1200" dirty="0" err="1"/>
+              <a:t>Analysis</a:t>
+            </a:r>
+            <a:r>
+              <a:rPr lang="es-ES" sz="1200" dirty="0"/>
+              <a:t> </a:t>
+            </a:r>
+            <a:r>
+              <a:rPr lang="es-ES" sz="1200" dirty="0" err="1"/>
+              <a:t>of</a:t>
+            </a:r>
+            <a:r>
+              <a:rPr lang="es-ES" sz="1200" dirty="0"/>
+              <a:t> </a:t>
+            </a:r>
+            <a:r>
+              <a:rPr lang="es-ES" sz="1200" dirty="0" err="1"/>
+              <a:t>Mixed</a:t>
+            </a:r>
+            <a:r>
+              <a:rPr lang="es-ES" sz="1200" dirty="0"/>
+              <a:t> Data), ya que este método solo puede trabajar con variables numéricas. De esta manera, el uso de FAMD permitió transformar el conjunto de datos original —que contenía variables mixtas— en un espacio de dimensiones numéricas, posibilitando así el uso de KNN sobre dichas dimensiones en lugar de las variables originales.</a:t>
+            </a:r>
+          </a:p>
+          <a:p>
+            <a:pPr algn="just"/>
+            <a:endParaRPr lang="es-ES" sz="1200" dirty="0"/>
+          </a:p>
+          <a:p>
+            <a:pPr algn="just"/>
+            <a:r>
+              <a:rPr lang="es-ES" sz="1200" dirty="0"/>
+              <a:t>De los datos que disponemos de la variable respuesta, se dividió en </a:t>
+            </a:r>
+            <a:r>
+              <a:rPr lang="es-ES" sz="1200" b="1" dirty="0"/>
+              <a:t>TRAIN (70%) i TEST (30%).</a:t>
+            </a:r>
+          </a:p>
+          <a:p>
+            <a:pPr algn="just"/>
+            <a:r>
+              <a:rPr lang="es-ES" sz="1200" dirty="0"/>
+              <a:t>Se ha comprobado que la proporcionalidad de las clases positivas y negativas sea la misma en ambos grupos.</a:t>
+            </a:r>
+          </a:p>
+        </p:txBody>
+      </p:sp>
     </p:spTree>
     <p:extLst>
       <p:ext uri="{BB962C8B-B14F-4D97-AF65-F5344CB8AC3E}">
@@ -15618,6 +15763,61 @@
           </a:p>
         </p:txBody>
       </p:sp>
+      <p:sp>
+        <p:nvSpPr>
+          <p:cNvPr id="4" name="CuadroTexto 3">
+            <a:extLst>
+              <a:ext uri="{FF2B5EF4-FFF2-40B4-BE49-F238E27FC236}">
+                <a16:creationId xmlns:a16="http://schemas.microsoft.com/office/drawing/2014/main" id="{4CEF49DF-7F3A-D9A6-DC5D-7CA93D590672}"/>
+              </a:ext>
+            </a:extLst>
+          </p:cNvPr>
+          <p:cNvSpPr txBox="1"/>
+          <p:nvPr/>
+        </p:nvSpPr>
+        <p:spPr>
+          <a:xfrm>
+            <a:off x="1027299" y="1310894"/>
+            <a:ext cx="7089401" cy="2954655"/>
+          </a:xfrm>
+          <a:prstGeom prst="rect">
+            <a:avLst/>
+          </a:prstGeom>
+          <a:noFill/>
+        </p:spPr>
+        <p:txBody>
+          <a:bodyPr wrap="square" rtlCol="0">
+            <a:spAutoFit/>
+          </a:bodyPr>
+          <a:lstStyle/>
+          <a:p>
+            <a:pPr algn="just"/>
+            <a:r>
+              <a:rPr lang="es-ES" dirty="0"/>
+              <a:t>Tras analizar los resultados obtenidos con las dos técnicas previamente aplicadas, se concluye que el desempeño fue insatisfactorio, ya que los modelos no lograron una capacidad predictiva adecuada ni una clasificación precisa de los datos. Esto sugiere que dichos métodos no son óptimos para abordar el problema planteado.</a:t>
+            </a:r>
+          </a:p>
+          <a:p>
+            <a:pPr algn="just"/>
+            <a:endParaRPr lang="es-ES" dirty="0"/>
+          </a:p>
+          <a:p>
+            <a:pPr algn="just"/>
+            <a:r>
+              <a:rPr lang="es-ES" dirty="0"/>
+              <a:t>Por esta razón, se propone explorar nuevos enfoques que se adapten mejor a las características del conjunto de datos y que permitan mejorar el rendimiento del modelo. Como siguiente alternativa, se plantea implementar un </a:t>
+            </a:r>
+            <a:r>
+              <a:rPr lang="es-ES" sz="1800" b="1" dirty="0"/>
+              <a:t>árbol de decisión</a:t>
+            </a:r>
+            <a:r>
+              <a:rPr lang="es-ES" dirty="0"/>
+              <a:t>, dado que este método permite trabajar con variables tanto numéricas como categóricas y ofrece una interpretación clara del proceso de toma de decisiones. Además, se considera la posibilidad de evaluar otros algoritmos adicionales que aún están pendientes de selección, con el objetivo de identificar el método más adecuado para este caso de estudio.</a:t>
+            </a:r>
+          </a:p>
+        </p:txBody>
+      </p:sp>
     </p:spTree>
     <p:extLst>
       <p:ext uri="{BB962C8B-B14F-4D97-AF65-F5344CB8AC3E}">
@@ -15831,7 +16031,15 @@
             </a:r>
             <a:r>
               <a:rPr lang="es-ES" sz="1200" dirty="0"/>
-              <a:t>, F1-Score, AUC-ROC</a:t>
+              <a:t>, </a:t>
+            </a:r>
+            <a:r>
+              <a:rPr lang="es-ES" sz="1600" b="1" dirty="0"/>
+              <a:t>F1-Score</a:t>
+            </a:r>
+            <a:r>
+              <a:rPr lang="es-ES" sz="1200" dirty="0"/>
+              <a:t>, AUC-ROC</a:t>
             </a:r>
           </a:p>
           <a:p>
@@ -16650,7 +16858,7 @@
         <p:spPr>
           <a:xfrm>
             <a:off x="392653" y="757198"/>
-            <a:ext cx="8358693" cy="1615827"/>
+            <a:ext cx="8358693" cy="1692771"/>
           </a:xfrm>
           <a:prstGeom prst="rect">
             <a:avLst/>
@@ -16696,7 +16904,15 @@
             <a:pPr algn="just"/>
             <a:r>
               <a:rPr lang="es-ES" sz="1100" dirty="0"/>
-              <a:t>Finalmente, tras aplicar el método MICE (multivariante), llegamos a unos resultados muy buenos, encontrando un ajuste prácticamente perfecto de las distribuciones. Se decidió validar el método y la base de datos imputada por MICE.</a:t>
+              <a:t>Finalmente, tras aplicar el método </a:t>
+            </a:r>
+            <a:r>
+              <a:rPr lang="es-ES" sz="1600" b="1" dirty="0"/>
+              <a:t>MICE</a:t>
+            </a:r>
+            <a:r>
+              <a:rPr lang="es-ES" sz="1100" dirty="0"/>
+              <a:t> (multivariante), llegamos a unos resultados muy buenos, encontrando un ajuste prácticamente perfecto de las distribuciones. Se decidió validar el método y la base de datos imputada por MICE.</a:t>
             </a:r>
           </a:p>
         </p:txBody>
@@ -16723,7 +16939,7 @@
         </p:blipFill>
         <p:spPr>
           <a:xfrm>
-            <a:off x="392653" y="2373025"/>
+            <a:off x="392653" y="2394289"/>
             <a:ext cx="4132816" cy="2770475"/>
           </a:xfrm>
           <a:prstGeom prst="rect">
@@ -16753,7 +16969,7 @@
         </p:blipFill>
         <p:spPr>
           <a:xfrm>
-            <a:off x="4571998" y="2373025"/>
+            <a:off x="4571998" y="2387201"/>
             <a:ext cx="4182526" cy="2770476"/>
           </a:xfrm>
           <a:prstGeom prst="rect">
@@ -16856,7 +17072,7 @@
         <p:spPr>
           <a:xfrm>
             <a:off x="580912" y="742295"/>
-            <a:ext cx="8272631" cy="3785652"/>
+            <a:ext cx="8272631" cy="3847207"/>
           </a:xfrm>
           <a:prstGeom prst="rect">
             <a:avLst/>
@@ -16957,15 +17173,15 @@
               <a:t>A nivel multivariante: se utilizó </a:t>
             </a:r>
             <a:r>
-              <a:rPr lang="es-ES" sz="1200" b="1" dirty="0"/>
+              <a:rPr lang="es-ES" b="1" dirty="0"/>
               <a:t>distancia de </a:t>
             </a:r>
             <a:r>
-              <a:rPr lang="es-ES" sz="1200" b="1" dirty="0" err="1"/>
+              <a:rPr lang="es-ES" b="1" dirty="0" err="1"/>
               <a:t>Mahalanobis</a:t>
             </a:r>
             <a:r>
-              <a:rPr lang="es-ES" sz="1200" b="1" dirty="0"/>
+              <a:rPr lang="es-ES" b="1" dirty="0"/>
               <a:t> </a:t>
             </a:r>
             <a:r>
@@ -16973,8 +17189,12 @@
               <a:t>acompañada de algunos </a:t>
             </a:r>
             <a:r>
+              <a:rPr lang="es-ES" b="1" dirty="0"/>
+              <a:t>gráficos bivariantes</a:t>
+            </a:r>
+            <a:r>
               <a:rPr lang="es-ES" sz="1200" b="1" dirty="0"/>
-              <a:t>gráficos bivariantes.</a:t>
+              <a:t>.</a:t>
             </a:r>
           </a:p>
           <a:p>
@@ -17012,15 +17232,15 @@
               <a:t>Tras analizar las distribuciones y los valores extremos de dichas variables se concluye que no son valores imposibles, y que pueden haber aparecido fruto de la aleatoriedad. </a:t>
             </a:r>
             <a:r>
-              <a:rPr lang="es-ES" sz="1200" b="1" u="sng" dirty="0"/>
+              <a:rPr lang="es-ES" sz="1600" b="1" u="sng" dirty="0"/>
               <a:t>Se decide mantener los </a:t>
             </a:r>
             <a:r>
-              <a:rPr lang="es-ES" sz="1200" b="1" u="sng" dirty="0" err="1"/>
+              <a:rPr lang="es-ES" sz="1600" b="1" u="sng" dirty="0" err="1"/>
               <a:t>outliers</a:t>
             </a:r>
             <a:r>
-              <a:rPr lang="es-ES" sz="1200" b="1" u="sng" dirty="0"/>
+              <a:rPr lang="es-ES" sz="1600" b="1" u="sng" dirty="0"/>
               <a:t>.</a:t>
             </a:r>
           </a:p>

--- a/Entrega_1/0 - REPORTE/REPORTE.pptx
+++ b/Entrega_1/0 - REPORTE/REPORTE.pptx
@@ -316,7 +316,7 @@
   <pc:docChgLst>
     <pc:chgData name="Mario Aragón Valderrama" userId="ab42593c9091a3c7" providerId="LiveId" clId="{A94EC9C8-FC2E-45B4-829C-AEB6B286F687}"/>
     <pc:docChg chg="undo custSel addSld delSld modSld">
-      <pc:chgData name="Mario Aragón Valderrama" userId="ab42593c9091a3c7" providerId="LiveId" clId="{A94EC9C8-FC2E-45B4-829C-AEB6B286F687}" dt="2025-11-01T10:09:46.458" v="9474" actId="1076"/>
+      <pc:chgData name="Mario Aragón Valderrama" userId="ab42593c9091a3c7" providerId="LiveId" clId="{A94EC9C8-FC2E-45B4-829C-AEB6B286F687}" dt="2025-11-05T09:38:02.589" v="10856" actId="14100"/>
       <pc:docMkLst>
         <pc:docMk/>
       </pc:docMkLst>
@@ -335,104 +335,6 @@
           </ac:spMkLst>
         </pc:spChg>
       </pc:sldChg>
-      <pc:sldChg chg="del">
-        <pc:chgData name="Mario Aragón Valderrama" userId="ab42593c9091a3c7" providerId="LiveId" clId="{A94EC9C8-FC2E-45B4-829C-AEB6B286F687}" dt="2025-10-31T09:26:17.493" v="0" actId="47"/>
-        <pc:sldMkLst>
-          <pc:docMk/>
-          <pc:sldMk cId="0" sldId="257"/>
-        </pc:sldMkLst>
-      </pc:sldChg>
-      <pc:sldChg chg="new del">
-        <pc:chgData name="Mario Aragón Valderrama" userId="ab42593c9091a3c7" providerId="LiveId" clId="{A94EC9C8-FC2E-45B4-829C-AEB6B286F687}" dt="2025-10-31T09:26:25.565" v="15" actId="680"/>
-        <pc:sldMkLst>
-          <pc:docMk/>
-          <pc:sldMk cId="796417395" sldId="257"/>
-        </pc:sldMkLst>
-      </pc:sldChg>
-      <pc:sldChg chg="del">
-        <pc:chgData name="Mario Aragón Valderrama" userId="ab42593c9091a3c7" providerId="LiveId" clId="{A94EC9C8-FC2E-45B4-829C-AEB6B286F687}" dt="2025-10-31T09:26:18.257" v="1" actId="47"/>
-        <pc:sldMkLst>
-          <pc:docMk/>
-          <pc:sldMk cId="0" sldId="258"/>
-        </pc:sldMkLst>
-      </pc:sldChg>
-      <pc:sldChg chg="del">
-        <pc:chgData name="Mario Aragón Valderrama" userId="ab42593c9091a3c7" providerId="LiveId" clId="{A94EC9C8-FC2E-45B4-829C-AEB6B286F687}" dt="2025-10-31T09:26:18.621" v="2" actId="47"/>
-        <pc:sldMkLst>
-          <pc:docMk/>
-          <pc:sldMk cId="0" sldId="259"/>
-        </pc:sldMkLst>
-      </pc:sldChg>
-      <pc:sldChg chg="del">
-        <pc:chgData name="Mario Aragón Valderrama" userId="ab42593c9091a3c7" providerId="LiveId" clId="{A94EC9C8-FC2E-45B4-829C-AEB6B286F687}" dt="2025-10-31T09:26:18.853" v="3" actId="47"/>
-        <pc:sldMkLst>
-          <pc:docMk/>
-          <pc:sldMk cId="0" sldId="260"/>
-        </pc:sldMkLst>
-      </pc:sldChg>
-      <pc:sldChg chg="del">
-        <pc:chgData name="Mario Aragón Valderrama" userId="ab42593c9091a3c7" providerId="LiveId" clId="{A94EC9C8-FC2E-45B4-829C-AEB6B286F687}" dt="2025-10-31T09:26:19.067" v="4" actId="47"/>
-        <pc:sldMkLst>
-          <pc:docMk/>
-          <pc:sldMk cId="0" sldId="261"/>
-        </pc:sldMkLst>
-      </pc:sldChg>
-      <pc:sldChg chg="del">
-        <pc:chgData name="Mario Aragón Valderrama" userId="ab42593c9091a3c7" providerId="LiveId" clId="{A94EC9C8-FC2E-45B4-829C-AEB6B286F687}" dt="2025-10-31T09:26:19.253" v="5" actId="47"/>
-        <pc:sldMkLst>
-          <pc:docMk/>
-          <pc:sldMk cId="0" sldId="262"/>
-        </pc:sldMkLst>
-      </pc:sldChg>
-      <pc:sldChg chg="del">
-        <pc:chgData name="Mario Aragón Valderrama" userId="ab42593c9091a3c7" providerId="LiveId" clId="{A94EC9C8-FC2E-45B4-829C-AEB6B286F687}" dt="2025-10-31T09:26:19.423" v="6" actId="47"/>
-        <pc:sldMkLst>
-          <pc:docMk/>
-          <pc:sldMk cId="0" sldId="263"/>
-        </pc:sldMkLst>
-      </pc:sldChg>
-      <pc:sldChg chg="del">
-        <pc:chgData name="Mario Aragón Valderrama" userId="ab42593c9091a3c7" providerId="LiveId" clId="{A94EC9C8-FC2E-45B4-829C-AEB6B286F687}" dt="2025-10-31T09:26:19.587" v="7" actId="47"/>
-        <pc:sldMkLst>
-          <pc:docMk/>
-          <pc:sldMk cId="0" sldId="264"/>
-        </pc:sldMkLst>
-      </pc:sldChg>
-      <pc:sldChg chg="del">
-        <pc:chgData name="Mario Aragón Valderrama" userId="ab42593c9091a3c7" providerId="LiveId" clId="{A94EC9C8-FC2E-45B4-829C-AEB6B286F687}" dt="2025-10-31T09:26:19.747" v="8" actId="47"/>
-        <pc:sldMkLst>
-          <pc:docMk/>
-          <pc:sldMk cId="0" sldId="265"/>
-        </pc:sldMkLst>
-      </pc:sldChg>
-      <pc:sldChg chg="del">
-        <pc:chgData name="Mario Aragón Valderrama" userId="ab42593c9091a3c7" providerId="LiveId" clId="{A94EC9C8-FC2E-45B4-829C-AEB6B286F687}" dt="2025-10-31T09:26:19.902" v="9" actId="47"/>
-        <pc:sldMkLst>
-          <pc:docMk/>
-          <pc:sldMk cId="0" sldId="266"/>
-        </pc:sldMkLst>
-      </pc:sldChg>
-      <pc:sldChg chg="del">
-        <pc:chgData name="Mario Aragón Valderrama" userId="ab42593c9091a3c7" providerId="LiveId" clId="{A94EC9C8-FC2E-45B4-829C-AEB6B286F687}" dt="2025-10-31T09:26:20.057" v="10" actId="47"/>
-        <pc:sldMkLst>
-          <pc:docMk/>
-          <pc:sldMk cId="0" sldId="267"/>
-        </pc:sldMkLst>
-      </pc:sldChg>
-      <pc:sldChg chg="add del">
-        <pc:chgData name="Mario Aragón Valderrama" userId="ab42593c9091a3c7" providerId="LiveId" clId="{A94EC9C8-FC2E-45B4-829C-AEB6B286F687}" dt="2025-10-31T09:26:49.017" v="32" actId="47"/>
-        <pc:sldMkLst>
-          <pc:docMk/>
-          <pc:sldMk cId="0" sldId="268"/>
-        </pc:sldMkLst>
-      </pc:sldChg>
-      <pc:sldChg chg="add del">
-        <pc:chgData name="Mario Aragón Valderrama" userId="ab42593c9091a3c7" providerId="LiveId" clId="{A94EC9C8-FC2E-45B4-829C-AEB6B286F687}" dt="2025-10-31T09:26:48.497" v="31" actId="47"/>
-        <pc:sldMkLst>
-          <pc:docMk/>
-          <pc:sldMk cId="0" sldId="269"/>
-        </pc:sldMkLst>
-      </pc:sldChg>
       <pc:sldChg chg="addSp delSp modSp add del mod">
         <pc:chgData name="Mario Aragón Valderrama" userId="ab42593c9091a3c7" providerId="LiveId" clId="{A94EC9C8-FC2E-45B4-829C-AEB6B286F687}" dt="2025-10-31T12:17:46.526" v="7496" actId="20577"/>
         <pc:sldMkLst>
@@ -447,22 +349,6 @@
             <ac:spMk id="2" creationId="{5EF82306-C561-E459-74E9-8E94BD154FAB}"/>
           </ac:spMkLst>
         </pc:spChg>
-        <pc:spChg chg="del">
-          <ac:chgData name="Mario Aragón Valderrama" userId="ab42593c9091a3c7" providerId="LiveId" clId="{A94EC9C8-FC2E-45B4-829C-AEB6B286F687}" dt="2025-10-31T09:26:39.657" v="28" actId="478"/>
-          <ac:spMkLst>
-            <pc:docMk/>
-            <pc:sldMk cId="0" sldId="270"/>
-            <ac:spMk id="622" creationId="{00000000-0000-0000-0000-000000000000}"/>
-          </ac:spMkLst>
-        </pc:spChg>
-        <pc:spChg chg="del mod">
-          <ac:chgData name="Mario Aragón Valderrama" userId="ab42593c9091a3c7" providerId="LiveId" clId="{A94EC9C8-FC2E-45B4-829C-AEB6B286F687}" dt="2025-10-31T09:26:36.800" v="27" actId="478"/>
-          <ac:spMkLst>
-            <pc:docMk/>
-            <pc:sldMk cId="0" sldId="270"/>
-            <ac:spMk id="624" creationId="{00000000-0000-0000-0000-000000000000}"/>
-          </ac:spMkLst>
-        </pc:spChg>
         <pc:spChg chg="mod">
           <ac:chgData name="Mario Aragón Valderrama" userId="ab42593c9091a3c7" providerId="LiveId" clId="{A94EC9C8-FC2E-45B4-829C-AEB6B286F687}" dt="2025-10-31T09:27:03.307" v="43"/>
           <ac:spMkLst>
@@ -471,142 +357,6 @@
             <ac:spMk id="633" creationId="{00000000-0000-0000-0000-000000000000}"/>
           </ac:spMkLst>
         </pc:spChg>
-        <pc:spChg chg="del">
-          <ac:chgData name="Mario Aragón Valderrama" userId="ab42593c9091a3c7" providerId="LiveId" clId="{A94EC9C8-FC2E-45B4-829C-AEB6B286F687}" dt="2025-10-31T09:26:40.817" v="29" actId="478"/>
-          <ac:spMkLst>
-            <pc:docMk/>
-            <pc:sldMk cId="0" sldId="270"/>
-            <ac:spMk id="634" creationId="{00000000-0000-0000-0000-000000000000}"/>
-          </ac:spMkLst>
-        </pc:spChg>
-        <pc:spChg chg="del">
-          <ac:chgData name="Mario Aragón Valderrama" userId="ab42593c9091a3c7" providerId="LiveId" clId="{A94EC9C8-FC2E-45B4-829C-AEB6B286F687}" dt="2025-10-31T09:26:39.657" v="28" actId="478"/>
-          <ac:spMkLst>
-            <pc:docMk/>
-            <pc:sldMk cId="0" sldId="270"/>
-            <ac:spMk id="635" creationId="{00000000-0000-0000-0000-000000000000}"/>
-          </ac:spMkLst>
-        </pc:spChg>
-        <pc:spChg chg="del">
-          <ac:chgData name="Mario Aragón Valderrama" userId="ab42593c9091a3c7" providerId="LiveId" clId="{A94EC9C8-FC2E-45B4-829C-AEB6B286F687}" dt="2025-10-31T09:26:39.657" v="28" actId="478"/>
-          <ac:spMkLst>
-            <pc:docMk/>
-            <pc:sldMk cId="0" sldId="270"/>
-            <ac:spMk id="636" creationId="{00000000-0000-0000-0000-000000000000}"/>
-          </ac:spMkLst>
-        </pc:spChg>
-        <pc:spChg chg="del">
-          <ac:chgData name="Mario Aragón Valderrama" userId="ab42593c9091a3c7" providerId="LiveId" clId="{A94EC9C8-FC2E-45B4-829C-AEB6B286F687}" dt="2025-10-31T09:26:32.854" v="20" actId="478"/>
-          <ac:spMkLst>
-            <pc:docMk/>
-            <pc:sldMk cId="0" sldId="270"/>
-            <ac:spMk id="637" creationId="{00000000-0000-0000-0000-000000000000}"/>
-          </ac:spMkLst>
-        </pc:spChg>
-        <pc:spChg chg="del">
-          <ac:chgData name="Mario Aragón Valderrama" userId="ab42593c9091a3c7" providerId="LiveId" clId="{A94EC9C8-FC2E-45B4-829C-AEB6B286F687}" dt="2025-10-31T09:26:33.200" v="21" actId="478"/>
-          <ac:spMkLst>
-            <pc:docMk/>
-            <pc:sldMk cId="0" sldId="270"/>
-            <ac:spMk id="638" creationId="{00000000-0000-0000-0000-000000000000}"/>
-          </ac:spMkLst>
-        </pc:spChg>
-        <pc:spChg chg="del">
-          <ac:chgData name="Mario Aragón Valderrama" userId="ab42593c9091a3c7" providerId="LiveId" clId="{A94EC9C8-FC2E-45B4-829C-AEB6B286F687}" dt="2025-10-31T09:26:33.577" v="22" actId="478"/>
-          <ac:spMkLst>
-            <pc:docMk/>
-            <pc:sldMk cId="0" sldId="270"/>
-            <ac:spMk id="639" creationId="{00000000-0000-0000-0000-000000000000}"/>
-          </ac:spMkLst>
-        </pc:spChg>
-        <pc:spChg chg="del">
-          <ac:chgData name="Mario Aragón Valderrama" userId="ab42593c9091a3c7" providerId="LiveId" clId="{A94EC9C8-FC2E-45B4-829C-AEB6B286F687}" dt="2025-10-31T09:26:34.534" v="24" actId="478"/>
-          <ac:spMkLst>
-            <pc:docMk/>
-            <pc:sldMk cId="0" sldId="270"/>
-            <ac:spMk id="640" creationId="{00000000-0000-0000-0000-000000000000}"/>
-          </ac:spMkLst>
-        </pc:spChg>
-        <pc:spChg chg="del">
-          <ac:chgData name="Mario Aragón Valderrama" userId="ab42593c9091a3c7" providerId="LiveId" clId="{A94EC9C8-FC2E-45B4-829C-AEB6B286F687}" dt="2025-10-31T09:26:39.657" v="28" actId="478"/>
-          <ac:spMkLst>
-            <pc:docMk/>
-            <pc:sldMk cId="0" sldId="270"/>
-            <ac:spMk id="641" creationId="{00000000-0000-0000-0000-000000000000}"/>
-          </ac:spMkLst>
-        </pc:spChg>
-        <pc:spChg chg="del">
-          <ac:chgData name="Mario Aragón Valderrama" userId="ab42593c9091a3c7" providerId="LiveId" clId="{A94EC9C8-FC2E-45B4-829C-AEB6B286F687}" dt="2025-10-31T09:26:39.657" v="28" actId="478"/>
-          <ac:spMkLst>
-            <pc:docMk/>
-            <pc:sldMk cId="0" sldId="270"/>
-            <ac:spMk id="642" creationId="{00000000-0000-0000-0000-000000000000}"/>
-          </ac:spMkLst>
-        </pc:spChg>
-        <pc:spChg chg="del">
-          <ac:chgData name="Mario Aragón Valderrama" userId="ab42593c9091a3c7" providerId="LiveId" clId="{A94EC9C8-FC2E-45B4-829C-AEB6B286F687}" dt="2025-10-31T09:26:39.657" v="28" actId="478"/>
-          <ac:spMkLst>
-            <pc:docMk/>
-            <pc:sldMk cId="0" sldId="270"/>
-            <ac:spMk id="645" creationId="{00000000-0000-0000-0000-000000000000}"/>
-          </ac:spMkLst>
-        </pc:spChg>
-        <pc:spChg chg="del">
-          <ac:chgData name="Mario Aragón Valderrama" userId="ab42593c9091a3c7" providerId="LiveId" clId="{A94EC9C8-FC2E-45B4-829C-AEB6B286F687}" dt="2025-10-31T09:26:39.657" v="28" actId="478"/>
-          <ac:spMkLst>
-            <pc:docMk/>
-            <pc:sldMk cId="0" sldId="270"/>
-            <ac:spMk id="646" creationId="{00000000-0000-0000-0000-000000000000}"/>
-          </ac:spMkLst>
-        </pc:spChg>
-        <pc:spChg chg="del">
-          <ac:chgData name="Mario Aragón Valderrama" userId="ab42593c9091a3c7" providerId="LiveId" clId="{A94EC9C8-FC2E-45B4-829C-AEB6B286F687}" dt="2025-10-31T09:26:35.500" v="25" actId="478"/>
-          <ac:spMkLst>
-            <pc:docMk/>
-            <pc:sldMk cId="0" sldId="270"/>
-            <ac:spMk id="654" creationId="{00000000-0000-0000-0000-000000000000}"/>
-          </ac:spMkLst>
-        </pc:spChg>
-        <pc:spChg chg="mod">
-          <ac:chgData name="Mario Aragón Valderrama" userId="ab42593c9091a3c7" providerId="LiveId" clId="{A94EC9C8-FC2E-45B4-829C-AEB6B286F687}" dt="2025-10-31T09:26:30.937" v="19" actId="1076"/>
-          <ac:spMkLst>
-            <pc:docMk/>
-            <pc:sldMk cId="0" sldId="270"/>
-            <ac:spMk id="655" creationId="{00000000-0000-0000-0000-000000000000}"/>
-          </ac:spMkLst>
-        </pc:spChg>
-        <pc:spChg chg="del">
-          <ac:chgData name="Mario Aragón Valderrama" userId="ab42593c9091a3c7" providerId="LiveId" clId="{A94EC9C8-FC2E-45B4-829C-AEB6B286F687}" dt="2025-10-31T09:26:39.657" v="28" actId="478"/>
-          <ac:spMkLst>
-            <pc:docMk/>
-            <pc:sldMk cId="0" sldId="270"/>
-            <ac:spMk id="656" creationId="{00000000-0000-0000-0000-000000000000}"/>
-          </ac:spMkLst>
-        </pc:spChg>
-        <pc:spChg chg="del">
-          <ac:chgData name="Mario Aragón Valderrama" userId="ab42593c9091a3c7" providerId="LiveId" clId="{A94EC9C8-FC2E-45B4-829C-AEB6B286F687}" dt="2025-10-31T09:26:39.657" v="28" actId="478"/>
-          <ac:spMkLst>
-            <pc:docMk/>
-            <pc:sldMk cId="0" sldId="270"/>
-            <ac:spMk id="657" creationId="{00000000-0000-0000-0000-000000000000}"/>
-          </ac:spMkLst>
-        </pc:spChg>
-        <pc:spChg chg="del">
-          <ac:chgData name="Mario Aragón Valderrama" userId="ab42593c9091a3c7" providerId="LiveId" clId="{A94EC9C8-FC2E-45B4-829C-AEB6B286F687}" dt="2025-10-31T09:26:39.657" v="28" actId="478"/>
-          <ac:spMkLst>
-            <pc:docMk/>
-            <pc:sldMk cId="0" sldId="270"/>
-            <ac:spMk id="658" creationId="{00000000-0000-0000-0000-000000000000}"/>
-          </ac:spMkLst>
-        </pc:spChg>
-        <pc:cxnChg chg="mod">
-          <ac:chgData name="Mario Aragón Valderrama" userId="ab42593c9091a3c7" providerId="LiveId" clId="{A94EC9C8-FC2E-45B4-829C-AEB6B286F687}" dt="2025-10-31T09:26:36.800" v="27" actId="478"/>
-          <ac:cxnSpMkLst>
-            <pc:docMk/>
-            <pc:sldMk cId="0" sldId="270"/>
-            <ac:cxnSpMk id="623" creationId="{00000000-0000-0000-0000-000000000000}"/>
-          </ac:cxnSpMkLst>
-        </pc:cxnChg>
       </pc:sldChg>
       <pc:sldChg chg="addSp delSp modSp add mod">
         <pc:chgData name="Mario Aragón Valderrama" userId="ab42593c9091a3c7" providerId="LiveId" clId="{A94EC9C8-FC2E-45B4-829C-AEB6B286F687}" dt="2025-10-31T10:18:15.474" v="1679" actId="20577"/>
@@ -614,22 +364,6 @@
           <pc:docMk/>
           <pc:sldMk cId="1878690447" sldId="271"/>
         </pc:sldMkLst>
-        <pc:spChg chg="add del mod">
-          <ac:chgData name="Mario Aragón Valderrama" userId="ab42593c9091a3c7" providerId="LiveId" clId="{A94EC9C8-FC2E-45B4-829C-AEB6B286F687}" dt="2025-10-31T09:28:33.047" v="48"/>
-          <ac:spMkLst>
-            <pc:docMk/>
-            <pc:sldMk cId="1878690447" sldId="271"/>
-            <ac:spMk id="2" creationId="{153F623F-789A-ADDC-CFF6-A6536C581CF9}"/>
-          </ac:spMkLst>
-        </pc:spChg>
-        <pc:spChg chg="add del mod">
-          <ac:chgData name="Mario Aragón Valderrama" userId="ab42593c9091a3c7" providerId="LiveId" clId="{A94EC9C8-FC2E-45B4-829C-AEB6B286F687}" dt="2025-10-31T10:16:53.959" v="1505"/>
-          <ac:spMkLst>
-            <pc:docMk/>
-            <pc:sldMk cId="1878690447" sldId="271"/>
-            <ac:spMk id="6" creationId="{2029A0FB-4C6A-84FD-9D4C-3C32FEFAD33F}"/>
-          </ac:spMkLst>
-        </pc:spChg>
         <pc:spChg chg="add mod">
           <ac:chgData name="Mario Aragón Valderrama" userId="ab42593c9091a3c7" providerId="LiveId" clId="{A94EC9C8-FC2E-45B4-829C-AEB6B286F687}" dt="2025-10-31T10:18:15.474" v="1679" actId="20577"/>
           <ac:spMkLst>
@@ -654,30 +388,6 @@
             <ac:spMk id="633" creationId="{F160F062-DB37-F0CE-0930-D313103DAB13}"/>
           </ac:spMkLst>
         </pc:spChg>
-        <pc:graphicFrameChg chg="add del mod modGraphic">
-          <ac:chgData name="Mario Aragón Valderrama" userId="ab42593c9091a3c7" providerId="LiveId" clId="{A94EC9C8-FC2E-45B4-829C-AEB6B286F687}" dt="2025-10-31T09:49:07.087" v="868" actId="478"/>
-          <ac:graphicFrameMkLst>
-            <pc:docMk/>
-            <pc:sldMk cId="1878690447" sldId="271"/>
-            <ac:graphicFrameMk id="3" creationId="{AF94B750-2B40-D55A-EBD1-6D61CDF6E8E3}"/>
-          </ac:graphicFrameMkLst>
-        </pc:graphicFrameChg>
-        <pc:graphicFrameChg chg="add del mod modGraphic">
-          <ac:chgData name="Mario Aragón Valderrama" userId="ab42593c9091a3c7" providerId="LiveId" clId="{A94EC9C8-FC2E-45B4-829C-AEB6B286F687}" dt="2025-10-31T10:03:00.384" v="881" actId="478"/>
-          <ac:graphicFrameMkLst>
-            <pc:docMk/>
-            <pc:sldMk cId="1878690447" sldId="271"/>
-            <ac:graphicFrameMk id="4" creationId="{DF1733E1-6E66-B37E-8FDB-36EBD55F2AE3}"/>
-          </ac:graphicFrameMkLst>
-        </pc:graphicFrameChg>
-        <pc:graphicFrameChg chg="add del mod modGraphic">
-          <ac:chgData name="Mario Aragón Valderrama" userId="ab42593c9091a3c7" providerId="LiveId" clId="{A94EC9C8-FC2E-45B4-829C-AEB6B286F687}" dt="2025-10-31T10:03:08.755" v="884" actId="478"/>
-          <ac:graphicFrameMkLst>
-            <pc:docMk/>
-            <pc:sldMk cId="1878690447" sldId="271"/>
-            <ac:graphicFrameMk id="5" creationId="{7BD2B512-6FE2-E42F-FACF-E1A6786965D1}"/>
-          </ac:graphicFrameMkLst>
-        </pc:graphicFrameChg>
       </pc:sldChg>
       <pc:sldChg chg="addSp delSp modSp add mod">
         <pc:chgData name="Mario Aragón Valderrama" userId="ab42593c9091a3c7" providerId="LiveId" clId="{A94EC9C8-FC2E-45B4-829C-AEB6B286F687}" dt="2025-10-31T13:17:18.648" v="8837" actId="20577"/>
@@ -685,28 +395,12 @@
           <pc:docMk/>
           <pc:sldMk cId="3817130564" sldId="272"/>
         </pc:sldMkLst>
-        <pc:spChg chg="add del">
-          <ac:chgData name="Mario Aragón Valderrama" userId="ab42593c9091a3c7" providerId="LiveId" clId="{A94EC9C8-FC2E-45B4-829C-AEB6B286F687}" dt="2025-10-31T10:42:15.630" v="1762" actId="22"/>
-          <ac:spMkLst>
-            <pc:docMk/>
-            <pc:sldMk cId="3817130564" sldId="272"/>
-            <ac:spMk id="4" creationId="{E3CDC29E-AEF1-43D8-8984-9D4E8E48BB61}"/>
-          </ac:spMkLst>
-        </pc:spChg>
         <pc:spChg chg="add mod">
           <ac:chgData name="Mario Aragón Valderrama" userId="ab42593c9091a3c7" providerId="LiveId" clId="{A94EC9C8-FC2E-45B4-829C-AEB6B286F687}" dt="2025-10-31T10:43:09.212" v="1882" actId="20577"/>
           <ac:spMkLst>
             <pc:docMk/>
             <pc:sldMk cId="3817130564" sldId="272"/>
             <ac:spMk id="5" creationId="{EAFFC7C5-F970-1FD5-95CA-A319822DB911}"/>
-          </ac:spMkLst>
-        </pc:spChg>
-        <pc:spChg chg="add del">
-          <ac:chgData name="Mario Aragón Valderrama" userId="ab42593c9091a3c7" providerId="LiveId" clId="{A94EC9C8-FC2E-45B4-829C-AEB6B286F687}" dt="2025-10-31T10:43:12.630" v="1884" actId="22"/>
-          <ac:spMkLst>
-            <pc:docMk/>
-            <pc:sldMk cId="3817130564" sldId="272"/>
-            <ac:spMk id="7" creationId="{7F8836E4-BF84-93FC-467C-806E10D8C58D}"/>
           </ac:spMkLst>
         </pc:spChg>
         <pc:spChg chg="mod">
@@ -734,12 +428,28 @@
           </ac:picMkLst>
         </pc:picChg>
       </pc:sldChg>
-      <pc:sldChg chg="modSp add mod">
-        <pc:chgData name="Mario Aragón Valderrama" userId="ab42593c9091a3c7" providerId="LiveId" clId="{A94EC9C8-FC2E-45B4-829C-AEB6B286F687}" dt="2025-10-31T11:09:55.425" v="2711" actId="20577"/>
+      <pc:sldChg chg="addSp delSp modSp add mod">
+        <pc:chgData name="Mario Aragón Valderrama" userId="ab42593c9091a3c7" providerId="LiveId" clId="{A94EC9C8-FC2E-45B4-829C-AEB6B286F687}" dt="2025-11-05T09:38:02.589" v="10856" actId="14100"/>
         <pc:sldMkLst>
           <pc:docMk/>
           <pc:sldMk cId="1332014249" sldId="273"/>
         </pc:sldMkLst>
+        <pc:spChg chg="add mod">
+          <ac:chgData name="Mario Aragón Valderrama" userId="ab42593c9091a3c7" providerId="LiveId" clId="{A94EC9C8-FC2E-45B4-829C-AEB6B286F687}" dt="2025-11-05T09:35:13.778" v="10768" actId="207"/>
+          <ac:spMkLst>
+            <pc:docMk/>
+            <pc:sldMk cId="1332014249" sldId="273"/>
+            <ac:spMk id="4" creationId="{3A063028-BC82-FA0D-BF4A-CD1689F34D4C}"/>
+          </ac:spMkLst>
+        </pc:spChg>
+        <pc:spChg chg="add mod">
+          <ac:chgData name="Mario Aragón Valderrama" userId="ab42593c9091a3c7" providerId="LiveId" clId="{A94EC9C8-FC2E-45B4-829C-AEB6B286F687}" dt="2025-11-05T09:36:50.057" v="10836" actId="114"/>
+          <ac:spMkLst>
+            <pc:docMk/>
+            <pc:sldMk cId="1332014249" sldId="273"/>
+            <ac:spMk id="9" creationId="{DF775A01-8C66-64FB-3CC2-F9073BE005FF}"/>
+          </ac:spMkLst>
+        </pc:spChg>
         <pc:spChg chg="mod">
           <ac:chgData name="Mario Aragón Valderrama" userId="ab42593c9091a3c7" providerId="LiveId" clId="{A94EC9C8-FC2E-45B4-829C-AEB6B286F687}" dt="2025-10-31T11:09:55.425" v="2711" actId="20577"/>
           <ac:spMkLst>
@@ -748,13 +458,69 @@
             <ac:spMk id="633" creationId="{7946C38A-D74B-A3C1-5985-7F4666994364}"/>
           </ac:spMkLst>
         </pc:spChg>
+        <pc:picChg chg="add mod">
+          <ac:chgData name="Mario Aragón Valderrama" userId="ab42593c9091a3c7" providerId="LiveId" clId="{A94EC9C8-FC2E-45B4-829C-AEB6B286F687}" dt="2025-11-05T09:35:47.570" v="10773" actId="14100"/>
+          <ac:picMkLst>
+            <pc:docMk/>
+            <pc:sldMk cId="1332014249" sldId="273"/>
+            <ac:picMk id="3" creationId="{1D516515-DA42-9655-BB01-518323B33C34}"/>
+          </ac:picMkLst>
+        </pc:picChg>
+        <pc:picChg chg="add mod">
+          <ac:chgData name="Mario Aragón Valderrama" userId="ab42593c9091a3c7" providerId="LiveId" clId="{A94EC9C8-FC2E-45B4-829C-AEB6B286F687}" dt="2025-11-05T09:37:55.058" v="10853" actId="1076"/>
+          <ac:picMkLst>
+            <pc:docMk/>
+            <pc:sldMk cId="1332014249" sldId="273"/>
+            <ac:picMk id="6" creationId="{C419C444-B510-41D1-18DA-A0EDA21E4FC5}"/>
+          </ac:picMkLst>
+        </pc:picChg>
+        <pc:picChg chg="add mod">
+          <ac:chgData name="Mario Aragón Valderrama" userId="ab42593c9091a3c7" providerId="LiveId" clId="{A94EC9C8-FC2E-45B4-829C-AEB6B286F687}" dt="2025-11-05T09:37:49.437" v="10852" actId="1076"/>
+          <ac:picMkLst>
+            <pc:docMk/>
+            <pc:sldMk cId="1332014249" sldId="273"/>
+            <ac:picMk id="8" creationId="{F191712F-AF11-545F-6745-913AE7E68860}"/>
+          </ac:picMkLst>
+        </pc:picChg>
+        <pc:picChg chg="add mod">
+          <ac:chgData name="Mario Aragón Valderrama" userId="ab42593c9091a3c7" providerId="LiveId" clId="{A94EC9C8-FC2E-45B4-829C-AEB6B286F687}" dt="2025-11-05T09:37:58.215" v="10854" actId="1076"/>
+          <ac:picMkLst>
+            <pc:docMk/>
+            <pc:sldMk cId="1332014249" sldId="273"/>
+            <ac:picMk id="11" creationId="{69979F9F-1699-FEEA-4104-C18227B154EA}"/>
+          </ac:picMkLst>
+        </pc:picChg>
+        <pc:picChg chg="add del mod">
+          <ac:chgData name="Mario Aragón Valderrama" userId="ab42593c9091a3c7" providerId="LiveId" clId="{A94EC9C8-FC2E-45B4-829C-AEB6B286F687}" dt="2025-11-05T09:38:02.589" v="10856" actId="14100"/>
+          <ac:picMkLst>
+            <pc:docMk/>
+            <pc:sldMk cId="1332014249" sldId="273"/>
+            <ac:picMk id="13" creationId="{B57E5F5A-38EB-81A4-5B57-E486F1B32098}"/>
+          </ac:picMkLst>
+        </pc:picChg>
       </pc:sldChg>
-      <pc:sldChg chg="modSp add mod">
-        <pc:chgData name="Mario Aragón Valderrama" userId="ab42593c9091a3c7" providerId="LiveId" clId="{A94EC9C8-FC2E-45B4-829C-AEB6B286F687}" dt="2025-10-31T11:10:00.169" v="2716" actId="20577"/>
+      <pc:sldChg chg="addSp modSp add mod">
+        <pc:chgData name="Mario Aragón Valderrama" userId="ab42593c9091a3c7" providerId="LiveId" clId="{A94EC9C8-FC2E-45B4-829C-AEB6B286F687}" dt="2025-11-05T09:34:55.290" v="10762" actId="20577"/>
         <pc:sldMkLst>
           <pc:docMk/>
           <pc:sldMk cId="1461310694" sldId="274"/>
         </pc:sldMkLst>
+        <pc:spChg chg="add mod">
+          <ac:chgData name="Mario Aragón Valderrama" userId="ab42593c9091a3c7" providerId="LiveId" clId="{A94EC9C8-FC2E-45B4-829C-AEB6B286F687}" dt="2025-11-05T09:27:27.037" v="10246" actId="113"/>
+          <ac:spMkLst>
+            <pc:docMk/>
+            <pc:sldMk cId="1461310694" sldId="274"/>
+            <ac:spMk id="6" creationId="{BD19327A-FEC8-2546-D5CE-E67AF2C8E686}"/>
+          </ac:spMkLst>
+        </pc:spChg>
+        <pc:spChg chg="add mod">
+          <ac:chgData name="Mario Aragón Valderrama" userId="ab42593c9091a3c7" providerId="LiveId" clId="{A94EC9C8-FC2E-45B4-829C-AEB6B286F687}" dt="2025-11-05T09:34:55.290" v="10762" actId="20577"/>
+          <ac:spMkLst>
+            <pc:docMk/>
+            <pc:sldMk cId="1461310694" sldId="274"/>
+            <ac:spMk id="11" creationId="{94A685DF-E20C-512D-21F4-4547D83672C6}"/>
+          </ac:spMkLst>
+        </pc:spChg>
         <pc:spChg chg="mod">
           <ac:chgData name="Mario Aragón Valderrama" userId="ab42593c9091a3c7" providerId="LiveId" clId="{A94EC9C8-FC2E-45B4-829C-AEB6B286F687}" dt="2025-10-31T11:10:00.169" v="2716" actId="20577"/>
           <ac:spMkLst>
@@ -763,6 +529,46 @@
             <ac:spMk id="633" creationId="{356984D3-ED96-A90B-DBCF-B2F56FDAE2B4}"/>
           </ac:spMkLst>
         </pc:spChg>
+        <pc:picChg chg="add mod">
+          <ac:chgData name="Mario Aragón Valderrama" userId="ab42593c9091a3c7" providerId="LiveId" clId="{A94EC9C8-FC2E-45B4-829C-AEB6B286F687}" dt="2025-11-05T09:26:01.819" v="10029" actId="1076"/>
+          <ac:picMkLst>
+            <pc:docMk/>
+            <pc:sldMk cId="1461310694" sldId="274"/>
+            <ac:picMk id="3" creationId="{F8B308B3-606D-5693-7118-602F333524E5}"/>
+          </ac:picMkLst>
+        </pc:picChg>
+        <pc:picChg chg="add mod">
+          <ac:chgData name="Mario Aragón Valderrama" userId="ab42593c9091a3c7" providerId="LiveId" clId="{A94EC9C8-FC2E-45B4-829C-AEB6B286F687}" dt="2025-11-05T09:26:04.996" v="10031" actId="14100"/>
+          <ac:picMkLst>
+            <pc:docMk/>
+            <pc:sldMk cId="1461310694" sldId="274"/>
+            <ac:picMk id="5" creationId="{178624F4-D358-A55A-7284-21B1DCA028A0}"/>
+          </ac:picMkLst>
+        </pc:picChg>
+        <pc:picChg chg="add mod">
+          <ac:chgData name="Mario Aragón Valderrama" userId="ab42593c9091a3c7" providerId="LiveId" clId="{A94EC9C8-FC2E-45B4-829C-AEB6B286F687}" dt="2025-11-05T09:34:15.240" v="10732" actId="1076"/>
+          <ac:picMkLst>
+            <pc:docMk/>
+            <pc:sldMk cId="1461310694" sldId="274"/>
+            <ac:picMk id="8" creationId="{9914B39E-79EB-753D-3011-BFAAE635B912}"/>
+          </ac:picMkLst>
+        </pc:picChg>
+        <pc:picChg chg="add mod">
+          <ac:chgData name="Mario Aragón Valderrama" userId="ab42593c9091a3c7" providerId="LiveId" clId="{A94EC9C8-FC2E-45B4-829C-AEB6B286F687}" dt="2025-11-05T09:34:10.407" v="10730" actId="1076"/>
+          <ac:picMkLst>
+            <pc:docMk/>
+            <pc:sldMk cId="1461310694" sldId="274"/>
+            <ac:picMk id="10" creationId="{7ADEFD04-076B-92BF-D182-BF801606BBEF}"/>
+          </ac:picMkLst>
+        </pc:picChg>
+        <pc:picChg chg="add mod">
+          <ac:chgData name="Mario Aragón Valderrama" userId="ab42593c9091a3c7" providerId="LiveId" clId="{A94EC9C8-FC2E-45B4-829C-AEB6B286F687}" dt="2025-11-05T09:34:12.501" v="10731" actId="1076"/>
+          <ac:picMkLst>
+            <pc:docMk/>
+            <pc:sldMk cId="1461310694" sldId="274"/>
+            <ac:picMk id="13" creationId="{7AA491D9-67AC-2F66-8CF6-52562D3A93F9}"/>
+          </ac:picMkLst>
+        </pc:picChg>
       </pc:sldChg>
       <pc:sldChg chg="addSp delSp modSp add mod">
         <pc:chgData name="Mario Aragón Valderrama" userId="ab42593c9091a3c7" providerId="LiveId" clId="{A94EC9C8-FC2E-45B4-829C-AEB6B286F687}" dt="2025-10-31T11:28:11.084" v="4432" actId="14100"/>
@@ -786,14 +592,6 @@
             <ac:spMk id="633" creationId="{4E67A6DC-F5B2-EA88-5247-C9D91553210E}"/>
           </ac:spMkLst>
         </pc:spChg>
-        <pc:picChg chg="add del mod">
-          <ac:chgData name="Mario Aragón Valderrama" userId="ab42593c9091a3c7" providerId="LiveId" clId="{A94EC9C8-FC2E-45B4-829C-AEB6B286F687}" dt="2025-10-31T11:18:30.520" v="3173" actId="478"/>
-          <ac:picMkLst>
-            <pc:docMk/>
-            <pc:sldMk cId="510076081" sldId="275"/>
-            <ac:picMk id="4" creationId="{B02F4FA9-3E9C-5FF2-FFD3-984BCAFB6DDB}"/>
-          </ac:picMkLst>
-        </pc:picChg>
         <pc:picChg chg="add mod">
           <ac:chgData name="Mario Aragón Valderrama" userId="ab42593c9091a3c7" providerId="LiveId" clId="{A94EC9C8-FC2E-45B4-829C-AEB6B286F687}" dt="2025-10-31T11:28:08.508" v="4431" actId="14100"/>
           <ac:picMkLst>
@@ -854,22 +652,6 @@
             <pc:docMk/>
             <pc:sldMk cId="96848898" sldId="277"/>
             <ac:spMk id="2" creationId="{850C95A2-487A-DD08-1994-9119B199CE78}"/>
-          </ac:spMkLst>
-        </pc:spChg>
-        <pc:spChg chg="add del">
-          <ac:chgData name="Mario Aragón Valderrama" userId="ab42593c9091a3c7" providerId="LiveId" clId="{A94EC9C8-FC2E-45B4-829C-AEB6B286F687}" dt="2025-10-31T12:42:18.422" v="7585" actId="478"/>
-          <ac:spMkLst>
-            <pc:docMk/>
-            <pc:sldMk cId="96848898" sldId="277"/>
-            <ac:spMk id="3" creationId="{4FE82936-938A-633D-B48A-B245CDADB73A}"/>
-          </ac:spMkLst>
-        </pc:spChg>
-        <pc:spChg chg="add del mod">
-          <ac:chgData name="Mario Aragón Valderrama" userId="ab42593c9091a3c7" providerId="LiveId" clId="{A94EC9C8-FC2E-45B4-829C-AEB6B286F687}" dt="2025-10-31T12:49:43.312" v="7751" actId="478"/>
-          <ac:spMkLst>
-            <pc:docMk/>
-            <pc:sldMk cId="96848898" sldId="277"/>
-            <ac:spMk id="4" creationId="{6DFDA83B-6F32-BB34-10F0-D469832FAC46}"/>
           </ac:spMkLst>
         </pc:spChg>
         <pc:spChg chg="add mod">
@@ -975,22 +757,6 @@
             <ac:spMk id="8" creationId="{D0841C18-B399-C215-D4D4-8610F482EDA2}"/>
           </ac:spMkLst>
         </pc:spChg>
-        <pc:spChg chg="del">
-          <ac:chgData name="Mario Aragón Valderrama" userId="ab42593c9091a3c7" providerId="LiveId" clId="{A94EC9C8-FC2E-45B4-829C-AEB6B286F687}" dt="2025-10-31T11:10:44.269" v="2736"/>
-          <ac:spMkLst>
-            <pc:docMk/>
-            <pc:sldMk cId="2665368765" sldId="278"/>
-            <ac:spMk id="633" creationId="{448024FE-6EF3-A033-DA4F-6F6125369FDF}"/>
-          </ac:spMkLst>
-        </pc:spChg>
-        <pc:picChg chg="add del mod">
-          <ac:chgData name="Mario Aragón Valderrama" userId="ab42593c9091a3c7" providerId="LiveId" clId="{A94EC9C8-FC2E-45B4-829C-AEB6B286F687}" dt="2025-10-31T13:01:30.643" v="8361" actId="478"/>
-          <ac:picMkLst>
-            <pc:docMk/>
-            <pc:sldMk cId="2665368765" sldId="278"/>
-            <ac:picMk id="5" creationId="{00552E69-E804-A57A-E06C-34DCA73D6937}"/>
-          </ac:picMkLst>
-        </pc:picChg>
         <pc:picChg chg="add mod">
           <ac:chgData name="Mario Aragón Valderrama" userId="ab42593c9091a3c7" providerId="LiveId" clId="{A94EC9C8-FC2E-45B4-829C-AEB6B286F687}" dt="2025-10-31T13:12:25.131" v="8447" actId="1076"/>
           <ac:picMkLst>
@@ -1014,14 +780,6 @@
             <ac:spMk id="2" creationId="{A3CCF44F-B8BF-18DD-610B-AC1D8BFF48EF}"/>
           </ac:spMkLst>
         </pc:spChg>
-        <pc:spChg chg="add">
-          <ac:chgData name="Mario Aragón Valderrama" userId="ab42593c9091a3c7" providerId="LiveId" clId="{A94EC9C8-FC2E-45B4-829C-AEB6B286F687}" dt="2025-10-31T11:55:40.882" v="6886"/>
-          <ac:spMkLst>
-            <pc:docMk/>
-            <pc:sldMk cId="192883723" sldId="279"/>
-            <ac:spMk id="3" creationId="{23BC3763-64CF-D7AA-2759-D7920FA2973E}"/>
-          </ac:spMkLst>
-        </pc:spChg>
         <pc:spChg chg="mod">
           <ac:chgData name="Mario Aragón Valderrama" userId="ab42593c9091a3c7" providerId="LiveId" clId="{A94EC9C8-FC2E-45B4-829C-AEB6B286F687}" dt="2025-10-31T11:57:01.337" v="6907" actId="1076"/>
           <ac:spMkLst>
@@ -1037,156 +795,12 @@
           <pc:docMk/>
           <pc:sldMk cId="3729417740" sldId="280"/>
         </pc:sldMkLst>
-        <pc:spChg chg="add del mod ord">
-          <ac:chgData name="Mario Aragón Valderrama" userId="ab42593c9091a3c7" providerId="LiveId" clId="{A94EC9C8-FC2E-45B4-829C-AEB6B286F687}" dt="2025-10-31T11:59:56.243" v="6923" actId="478"/>
-          <ac:spMkLst>
-            <pc:docMk/>
-            <pc:sldMk cId="3729417740" sldId="280"/>
-            <ac:spMk id="2" creationId="{3D477978-1390-86FB-0250-46342BFB99E7}"/>
-          </ac:spMkLst>
-        </pc:spChg>
-        <pc:spChg chg="add del mod ord">
-          <ac:chgData name="Mario Aragón Valderrama" userId="ab42593c9091a3c7" providerId="LiveId" clId="{A94EC9C8-FC2E-45B4-829C-AEB6B286F687}" dt="2025-10-31T11:59:56.243" v="6923" actId="478"/>
-          <ac:spMkLst>
-            <pc:docMk/>
-            <pc:sldMk cId="3729417740" sldId="280"/>
-            <ac:spMk id="3" creationId="{23C99568-7892-0B40-DA22-79F0D375512B}"/>
-          </ac:spMkLst>
-        </pc:spChg>
-        <pc:spChg chg="add del mod ord">
-          <ac:chgData name="Mario Aragón Valderrama" userId="ab42593c9091a3c7" providerId="LiveId" clId="{A94EC9C8-FC2E-45B4-829C-AEB6B286F687}" dt="2025-10-31T11:59:56.243" v="6923" actId="478"/>
-          <ac:spMkLst>
-            <pc:docMk/>
-            <pc:sldMk cId="3729417740" sldId="280"/>
-            <ac:spMk id="4" creationId="{B32BC3EA-6B8B-491F-9177-D693B9089B24}"/>
-          </ac:spMkLst>
-        </pc:spChg>
-        <pc:spChg chg="add del mod ord">
-          <ac:chgData name="Mario Aragón Valderrama" userId="ab42593c9091a3c7" providerId="LiveId" clId="{A94EC9C8-FC2E-45B4-829C-AEB6B286F687}" dt="2025-10-31T11:59:56.243" v="6923" actId="478"/>
-          <ac:spMkLst>
-            <pc:docMk/>
-            <pc:sldMk cId="3729417740" sldId="280"/>
-            <ac:spMk id="5" creationId="{6818159C-9A5D-6F8D-AC27-86798015E634}"/>
-          </ac:spMkLst>
-        </pc:spChg>
-        <pc:spChg chg="add mod">
-          <ac:chgData name="Mario Aragón Valderrama" userId="ab42593c9091a3c7" providerId="LiveId" clId="{A94EC9C8-FC2E-45B4-829C-AEB6B286F687}" dt="2025-10-31T11:59:56.543" v="6924"/>
-          <ac:spMkLst>
-            <pc:docMk/>
-            <pc:sldMk cId="3729417740" sldId="280"/>
-            <ac:spMk id="8" creationId="{4238D539-95F0-D7A5-DFDF-C8744FE057F5}"/>
-          </ac:spMkLst>
-        </pc:spChg>
-        <pc:spChg chg="mod">
-          <ac:chgData name="Mario Aragón Valderrama" userId="ab42593c9091a3c7" providerId="LiveId" clId="{A94EC9C8-FC2E-45B4-829C-AEB6B286F687}" dt="2025-10-31T12:00:00.110" v="6925"/>
-          <ac:spMkLst>
-            <pc:docMk/>
-            <pc:sldMk cId="3729417740" sldId="280"/>
-            <ac:spMk id="11" creationId="{1B17192B-513E-5716-0598-A466015CF282}"/>
-          </ac:spMkLst>
-        </pc:spChg>
-        <pc:spChg chg="add mod">
-          <ac:chgData name="Mario Aragón Valderrama" userId="ab42593c9091a3c7" providerId="LiveId" clId="{A94EC9C8-FC2E-45B4-829C-AEB6B286F687}" dt="2025-10-31T11:59:56.543" v="6924"/>
-          <ac:spMkLst>
-            <pc:docMk/>
-            <pc:sldMk cId="3729417740" sldId="280"/>
-            <ac:spMk id="18" creationId="{19A29319-74D1-F386-FC26-514AF4CC6169}"/>
-          </ac:spMkLst>
-        </pc:spChg>
-        <pc:spChg chg="add mod">
-          <ac:chgData name="Mario Aragón Valderrama" userId="ab42593c9091a3c7" providerId="LiveId" clId="{A94EC9C8-FC2E-45B4-829C-AEB6B286F687}" dt="2025-10-31T11:59:56.543" v="6924"/>
-          <ac:spMkLst>
-            <pc:docMk/>
-            <pc:sldMk cId="3729417740" sldId="280"/>
-            <ac:spMk id="21" creationId="{5FAA8381-C8C8-13EF-532D-0D68D76CEBF1}"/>
-          </ac:spMkLst>
-        </pc:spChg>
-        <pc:spChg chg="add mod">
-          <ac:chgData name="Mario Aragón Valderrama" userId="ab42593c9091a3c7" providerId="LiveId" clId="{A94EC9C8-FC2E-45B4-829C-AEB6B286F687}" dt="2025-10-31T11:59:56.543" v="6924"/>
-          <ac:spMkLst>
-            <pc:docMk/>
-            <pc:sldMk cId="3729417740" sldId="280"/>
-            <ac:spMk id="22" creationId="{E4E73302-1598-2F35-5797-C82AB1254CF0}"/>
-          </ac:spMkLst>
-        </pc:spChg>
-        <pc:spChg chg="add mod">
-          <ac:chgData name="Mario Aragón Valderrama" userId="ab42593c9091a3c7" providerId="LiveId" clId="{A94EC9C8-FC2E-45B4-829C-AEB6B286F687}" dt="2025-10-31T11:59:56.543" v="6924"/>
-          <ac:spMkLst>
-            <pc:docMk/>
-            <pc:sldMk cId="3729417740" sldId="280"/>
-            <ac:spMk id="23" creationId="{D772153E-2337-D826-3A9F-EDD371D96279}"/>
-          </ac:spMkLst>
-        </pc:spChg>
-        <pc:spChg chg="mod">
-          <ac:chgData name="Mario Aragón Valderrama" userId="ab42593c9091a3c7" providerId="LiveId" clId="{A94EC9C8-FC2E-45B4-829C-AEB6B286F687}" dt="2025-10-31T11:59:56.543" v="6924"/>
-          <ac:spMkLst>
-            <pc:docMk/>
-            <pc:sldMk cId="3729417740" sldId="280"/>
-            <ac:spMk id="30" creationId="{1B11E9D8-A371-2CDF-BE52-B0A70D3459C9}"/>
-          </ac:spMkLst>
-        </pc:spChg>
-        <pc:spChg chg="mod">
-          <ac:chgData name="Mario Aragón Valderrama" userId="ab42593c9091a3c7" providerId="LiveId" clId="{A94EC9C8-FC2E-45B4-829C-AEB6B286F687}" dt="2025-10-31T11:59:56.543" v="6924"/>
-          <ac:spMkLst>
-            <pc:docMk/>
-            <pc:sldMk cId="3729417740" sldId="280"/>
-            <ac:spMk id="32" creationId="{2CCB10F7-F6AF-BB4C-9492-1C00E6FD49DE}"/>
-          </ac:spMkLst>
-        </pc:spChg>
-        <pc:spChg chg="mod">
-          <ac:chgData name="Mario Aragón Valderrama" userId="ab42593c9091a3c7" providerId="LiveId" clId="{A94EC9C8-FC2E-45B4-829C-AEB6B286F687}" dt="2025-10-31T11:59:56.543" v="6924"/>
-          <ac:spMkLst>
-            <pc:docMk/>
-            <pc:sldMk cId="3729417740" sldId="280"/>
-            <ac:spMk id="37" creationId="{C6801A4E-FCBB-D63C-CA20-CA7F25E3CC19}"/>
-          </ac:spMkLst>
-        </pc:spChg>
-        <pc:spChg chg="mod">
-          <ac:chgData name="Mario Aragón Valderrama" userId="ab42593c9091a3c7" providerId="LiveId" clId="{A94EC9C8-FC2E-45B4-829C-AEB6B286F687}" dt="2025-10-31T11:59:56.543" v="6924"/>
-          <ac:spMkLst>
-            <pc:docMk/>
-            <pc:sldMk cId="3729417740" sldId="280"/>
-            <ac:spMk id="46" creationId="{7DFCDBC9-87FA-CC9B-3B2D-22EB07AAD663}"/>
-          </ac:spMkLst>
-        </pc:spChg>
-        <pc:spChg chg="mod">
-          <ac:chgData name="Mario Aragón Valderrama" userId="ab42593c9091a3c7" providerId="LiveId" clId="{A94EC9C8-FC2E-45B4-829C-AEB6B286F687}" dt="2025-10-31T11:59:56.543" v="6924"/>
-          <ac:spMkLst>
-            <pc:docMk/>
-            <pc:sldMk cId="3729417740" sldId="280"/>
-            <ac:spMk id="49" creationId="{E45BB9A5-D223-9678-8F3D-E5082D65B027}"/>
-          </ac:spMkLst>
-        </pc:spChg>
         <pc:spChg chg="mod ord">
           <ac:chgData name="Mario Aragón Valderrama" userId="ab42593c9091a3c7" providerId="LiveId" clId="{A94EC9C8-FC2E-45B4-829C-AEB6B286F687}" dt="2025-10-31T12:13:39.573" v="7279" actId="1076"/>
           <ac:spMkLst>
             <pc:docMk/>
             <pc:sldMk cId="3729417740" sldId="280"/>
             <ac:spMk id="59" creationId="{272A9B48-06CD-BA0E-9761-7A83F9A0C7F5}"/>
-          </ac:spMkLst>
-        </pc:spChg>
-        <pc:spChg chg="del">
-          <ac:chgData name="Mario Aragón Valderrama" userId="ab42593c9091a3c7" providerId="LiveId" clId="{A94EC9C8-FC2E-45B4-829C-AEB6B286F687}" dt="2025-10-31T12:02:13.331" v="6987" actId="478"/>
-          <ac:spMkLst>
-            <pc:docMk/>
-            <pc:sldMk cId="3729417740" sldId="280"/>
-            <ac:spMk id="60" creationId="{1EC145EB-35B3-034D-DE94-6D0615A11CDC}"/>
-          </ac:spMkLst>
-        </pc:spChg>
-        <pc:spChg chg="del">
-          <ac:chgData name="Mario Aragón Valderrama" userId="ab42593c9091a3c7" providerId="LiveId" clId="{A94EC9C8-FC2E-45B4-829C-AEB6B286F687}" dt="2025-10-31T12:02:13.887" v="6988" actId="478"/>
-          <ac:spMkLst>
-            <pc:docMk/>
-            <pc:sldMk cId="3729417740" sldId="280"/>
-            <ac:spMk id="61" creationId="{321C0439-1E92-D530-158A-D5C0F636DE38}"/>
-          </ac:spMkLst>
-        </pc:spChg>
-        <pc:spChg chg="del">
-          <ac:chgData name="Mario Aragón Valderrama" userId="ab42593c9091a3c7" providerId="LiveId" clId="{A94EC9C8-FC2E-45B4-829C-AEB6B286F687}" dt="2025-10-31T12:02:11.986" v="6985" actId="478"/>
-          <ac:spMkLst>
-            <pc:docMk/>
-            <pc:sldMk cId="3729417740" sldId="280"/>
-            <ac:spMk id="62" creationId="{42BC92B2-D25E-499C-5ED6-57D747987866}"/>
           </ac:spMkLst>
         </pc:spChg>
         <pc:spChg chg="add mod ord">
@@ -1197,76 +811,12 @@
             <ac:spMk id="63" creationId="{DAAC3287-95C6-BA1F-9A87-A2ACA773479C}"/>
           </ac:spMkLst>
         </pc:spChg>
-        <pc:spChg chg="add del mod">
-          <ac:chgData name="Mario Aragón Valderrama" userId="ab42593c9091a3c7" providerId="LiveId" clId="{A94EC9C8-FC2E-45B4-829C-AEB6B286F687}" dt="2025-10-31T12:00:04.296" v="6927" actId="478"/>
-          <ac:spMkLst>
-            <pc:docMk/>
-            <pc:sldMk cId="3729417740" sldId="280"/>
-            <ac:spMk id="576" creationId="{7C4359AA-E886-357D-229A-D3B016BEFE48}"/>
-          </ac:spMkLst>
-        </pc:spChg>
-        <pc:spChg chg="mod">
-          <ac:chgData name="Mario Aragón Valderrama" userId="ab42593c9091a3c7" providerId="LiveId" clId="{A94EC9C8-FC2E-45B4-829C-AEB6B286F687}" dt="2025-10-31T12:00:01.427" v="6926"/>
-          <ac:spMkLst>
-            <pc:docMk/>
-            <pc:sldMk cId="3729417740" sldId="280"/>
-            <ac:spMk id="579" creationId="{246E2260-84FA-A95C-AB1A-B009552A2181}"/>
-          </ac:spMkLst>
-        </pc:spChg>
-        <pc:spChg chg="del">
-          <ac:chgData name="Mario Aragón Valderrama" userId="ab42593c9091a3c7" providerId="LiveId" clId="{A94EC9C8-FC2E-45B4-829C-AEB6B286F687}" dt="2025-10-31T12:02:33.693" v="6998" actId="478"/>
-          <ac:spMkLst>
-            <pc:docMk/>
-            <pc:sldMk cId="3729417740" sldId="280"/>
-            <ac:spMk id="580" creationId="{35C93C48-BD9A-77BD-ACCE-810B0F94B8BD}"/>
-          </ac:spMkLst>
-        </pc:spChg>
-        <pc:spChg chg="del">
-          <ac:chgData name="Mario Aragón Valderrama" userId="ab42593c9091a3c7" providerId="LiveId" clId="{A94EC9C8-FC2E-45B4-829C-AEB6B286F687}" dt="2025-10-31T12:02:34.567" v="6999" actId="478"/>
-          <ac:spMkLst>
-            <pc:docMk/>
-            <pc:sldMk cId="3729417740" sldId="280"/>
-            <ac:spMk id="581" creationId="{67E034E3-9469-5A05-61F2-FD237340940E}"/>
-          </ac:spMkLst>
-        </pc:spChg>
-        <pc:spChg chg="del mod">
-          <ac:chgData name="Mario Aragón Valderrama" userId="ab42593c9091a3c7" providerId="LiveId" clId="{A94EC9C8-FC2E-45B4-829C-AEB6B286F687}" dt="2025-10-31T12:02:36.466" v="7001" actId="478"/>
-          <ac:spMkLst>
-            <pc:docMk/>
-            <pc:sldMk cId="3729417740" sldId="280"/>
-            <ac:spMk id="582" creationId="{0124F431-5356-5BA0-4C32-EFF78F93ADCE}"/>
-          </ac:spMkLst>
-        </pc:spChg>
         <pc:spChg chg="mod ord">
           <ac:chgData name="Mario Aragón Valderrama" userId="ab42593c9091a3c7" providerId="LiveId" clId="{A94EC9C8-FC2E-45B4-829C-AEB6B286F687}" dt="2025-10-31T12:14:52.576" v="7297" actId="1076"/>
           <ac:spMkLst>
             <pc:docMk/>
             <pc:sldMk cId="3729417740" sldId="280"/>
             <ac:spMk id="583" creationId="{160C52B2-04F8-173B-FD6B-C29FC57BF3F5}"/>
-          </ac:spMkLst>
-        </pc:spChg>
-        <pc:spChg chg="add del mod">
-          <ac:chgData name="Mario Aragón Valderrama" userId="ab42593c9091a3c7" providerId="LiveId" clId="{A94EC9C8-FC2E-45B4-829C-AEB6B286F687}" dt="2025-10-31T12:02:18.883" v="6993" actId="478"/>
-          <ac:spMkLst>
-            <pc:docMk/>
-            <pc:sldMk cId="3729417740" sldId="280"/>
-            <ac:spMk id="584" creationId="{FBCE2494-349A-5322-0F82-668D098A9CAD}"/>
-          </ac:spMkLst>
-        </pc:spChg>
-        <pc:spChg chg="del">
-          <ac:chgData name="Mario Aragón Valderrama" userId="ab42593c9091a3c7" providerId="LiveId" clId="{A94EC9C8-FC2E-45B4-829C-AEB6B286F687}" dt="2025-10-31T12:02:17.498" v="6991" actId="478"/>
-          <ac:spMkLst>
-            <pc:docMk/>
-            <pc:sldMk cId="3729417740" sldId="280"/>
-            <ac:spMk id="585" creationId="{8CAD45E0-33E2-9C93-EB0D-90578FE15254}"/>
-          </ac:spMkLst>
-        </pc:spChg>
-        <pc:spChg chg="del">
-          <ac:chgData name="Mario Aragón Valderrama" userId="ab42593c9091a3c7" providerId="LiveId" clId="{A94EC9C8-FC2E-45B4-829C-AEB6B286F687}" dt="2025-10-31T12:02:16.963" v="6990" actId="478"/>
-          <ac:spMkLst>
-            <pc:docMk/>
-            <pc:sldMk cId="3729417740" sldId="280"/>
-            <ac:spMk id="586" creationId="{62A5C1FB-ECF3-6CD3-5530-A9F58971159A}"/>
           </ac:spMkLst>
         </pc:spChg>
         <pc:spChg chg="mod ord">
@@ -1277,84 +827,12 @@
             <ac:spMk id="587" creationId="{F5FADC25-6962-68E7-217A-0BA156D5F24E}"/>
           </ac:spMkLst>
         </pc:spChg>
-        <pc:spChg chg="del">
-          <ac:chgData name="Mario Aragón Valderrama" userId="ab42593c9091a3c7" providerId="LiveId" clId="{A94EC9C8-FC2E-45B4-829C-AEB6B286F687}" dt="2025-10-31T12:02:39.517" v="7004" actId="478"/>
-          <ac:spMkLst>
-            <pc:docMk/>
-            <pc:sldMk cId="3729417740" sldId="280"/>
-            <ac:spMk id="588" creationId="{C13314DD-E40E-D464-C63C-48C7ACC59EA4}"/>
-          </ac:spMkLst>
-        </pc:spChg>
-        <pc:spChg chg="add del mod">
-          <ac:chgData name="Mario Aragón Valderrama" userId="ab42593c9091a3c7" providerId="LiveId" clId="{A94EC9C8-FC2E-45B4-829C-AEB6B286F687}" dt="2025-10-31T12:02:38.546" v="7003" actId="478"/>
-          <ac:spMkLst>
-            <pc:docMk/>
-            <pc:sldMk cId="3729417740" sldId="280"/>
-            <ac:spMk id="589" creationId="{2759DA9B-EC05-4848-D209-F2C17C5A8C5E}"/>
-          </ac:spMkLst>
-        </pc:spChg>
-        <pc:spChg chg="add del mod">
-          <ac:chgData name="Mario Aragón Valderrama" userId="ab42593c9091a3c7" providerId="LiveId" clId="{A94EC9C8-FC2E-45B4-829C-AEB6B286F687}" dt="2025-10-31T12:02:37.527" v="7002" actId="478"/>
-          <ac:spMkLst>
-            <pc:docMk/>
-            <pc:sldMk cId="3729417740" sldId="280"/>
-            <ac:spMk id="590" creationId="{0587FDA1-48EE-1ECB-4790-ABA48073914C}"/>
-          </ac:spMkLst>
-        </pc:spChg>
-        <pc:spChg chg="mod">
-          <ac:chgData name="Mario Aragón Valderrama" userId="ab42593c9091a3c7" providerId="LiveId" clId="{A94EC9C8-FC2E-45B4-829C-AEB6B286F687}" dt="2025-10-31T12:00:01.427" v="6926"/>
-          <ac:spMkLst>
-            <pc:docMk/>
-            <pc:sldMk cId="3729417740" sldId="280"/>
-            <ac:spMk id="592" creationId="{3EE3DB1A-2512-D7E9-40AA-83D35E4EDDFB}"/>
-          </ac:spMkLst>
-        </pc:spChg>
-        <pc:spChg chg="mod">
-          <ac:chgData name="Mario Aragón Valderrama" userId="ab42593c9091a3c7" providerId="LiveId" clId="{A94EC9C8-FC2E-45B4-829C-AEB6B286F687}" dt="2025-10-31T12:00:01.427" v="6926"/>
-          <ac:spMkLst>
-            <pc:docMk/>
-            <pc:sldMk cId="3729417740" sldId="280"/>
-            <ac:spMk id="605" creationId="{888C2312-5D02-82FD-F202-0260650FF915}"/>
-          </ac:spMkLst>
-        </pc:spChg>
-        <pc:spChg chg="mod">
-          <ac:chgData name="Mario Aragón Valderrama" userId="ab42593c9091a3c7" providerId="LiveId" clId="{A94EC9C8-FC2E-45B4-829C-AEB6B286F687}" dt="2025-10-31T12:00:01.427" v="6926"/>
-          <ac:spMkLst>
-            <pc:docMk/>
-            <pc:sldMk cId="3729417740" sldId="280"/>
-            <ac:spMk id="612" creationId="{8013A005-EBCE-0433-02C5-B8C76B5E8EF7}"/>
-          </ac:spMkLst>
-        </pc:spChg>
         <pc:spChg chg="mod">
           <ac:chgData name="Mario Aragón Valderrama" userId="ab42593c9091a3c7" providerId="LiveId" clId="{A94EC9C8-FC2E-45B4-829C-AEB6B286F687}" dt="2025-10-31T12:00:01.427" v="6926"/>
           <ac:spMkLst>
             <pc:docMk/>
             <pc:sldMk cId="3729417740" sldId="280"/>
             <ac:spMk id="619" creationId="{AB150971-3AFF-C959-ACCF-A54E6949A937}"/>
-          </ac:spMkLst>
-        </pc:spChg>
-        <pc:spChg chg="add del mod">
-          <ac:chgData name="Mario Aragón Valderrama" userId="ab42593c9091a3c7" providerId="LiveId" clId="{A94EC9C8-FC2E-45B4-829C-AEB6B286F687}" dt="2025-10-31T12:01:12.726" v="6969" actId="478"/>
-          <ac:spMkLst>
-            <pc:docMk/>
-            <pc:sldMk cId="3729417740" sldId="280"/>
-            <ac:spMk id="624" creationId="{541825D9-F106-581B-8B78-0946B9C0F88C}"/>
-          </ac:spMkLst>
-        </pc:spChg>
-        <pc:spChg chg="add del mod">
-          <ac:chgData name="Mario Aragón Valderrama" userId="ab42593c9091a3c7" providerId="LiveId" clId="{A94EC9C8-FC2E-45B4-829C-AEB6B286F687}" dt="2025-10-31T12:03:47.806" v="7009"/>
-          <ac:spMkLst>
-            <pc:docMk/>
-            <pc:sldMk cId="3729417740" sldId="280"/>
-            <ac:spMk id="625" creationId="{3BF85E46-708A-CC27-FD3C-48A72ADE1728}"/>
-          </ac:spMkLst>
-        </pc:spChg>
-        <pc:spChg chg="add del mod">
-          <ac:chgData name="Mario Aragón Valderrama" userId="ab42593c9091a3c7" providerId="LiveId" clId="{A94EC9C8-FC2E-45B4-829C-AEB6B286F687}" dt="2025-10-31T12:06:22.586" v="7025" actId="478"/>
-          <ac:spMkLst>
-            <pc:docMk/>
-            <pc:sldMk cId="3729417740" sldId="280"/>
-            <ac:spMk id="626" creationId="{93BE2E57-DC70-2BAB-D7E8-FECD484C2357}"/>
           </ac:spMkLst>
         </pc:spChg>
         <pc:spChg chg="add mod">
@@ -1389,68 +867,12 @@
             <ac:spMk id="634" creationId="{51011016-44F2-FE07-8AF0-A81903637A7B}"/>
           </ac:spMkLst>
         </pc:spChg>
-        <pc:grpChg chg="del">
-          <ac:chgData name="Mario Aragón Valderrama" userId="ab42593c9091a3c7" providerId="LiveId" clId="{A94EC9C8-FC2E-45B4-829C-AEB6B286F687}" dt="2025-10-31T12:00:44.999" v="6966" actId="478"/>
-          <ac:grpSpMkLst>
-            <pc:docMk/>
-            <pc:sldMk cId="3729417740" sldId="280"/>
-            <ac:grpSpMk id="577" creationId="{3F78A124-3181-B799-5735-09D48F604AE5}"/>
-          </ac:grpSpMkLst>
-        </pc:grpChg>
-        <pc:grpChg chg="del">
-          <ac:chgData name="Mario Aragón Valderrama" userId="ab42593c9091a3c7" providerId="LiveId" clId="{A94EC9C8-FC2E-45B4-829C-AEB6B286F687}" dt="2025-10-31T12:00:12.826" v="6930" actId="478"/>
-          <ac:grpSpMkLst>
-            <pc:docMk/>
-            <pc:sldMk cId="3729417740" sldId="280"/>
-            <ac:grpSpMk id="591" creationId="{35C7FF1E-CC62-92F3-FCE7-F7BDED5B84FA}"/>
-          </ac:grpSpMkLst>
-        </pc:grpChg>
-        <pc:grpChg chg="del">
-          <ac:chgData name="Mario Aragón Valderrama" userId="ab42593c9091a3c7" providerId="LiveId" clId="{A94EC9C8-FC2E-45B4-829C-AEB6B286F687}" dt="2025-10-31T12:02:09.177" v="6984" actId="478"/>
-          <ac:grpSpMkLst>
-            <pc:docMk/>
-            <pc:sldMk cId="3729417740" sldId="280"/>
-            <ac:grpSpMk id="594" creationId="{A78767C6-1AD7-547D-5755-8E99D82CBAA0}"/>
-          </ac:grpSpMkLst>
-        </pc:grpChg>
-        <pc:grpChg chg="del">
-          <ac:chgData name="Mario Aragón Valderrama" userId="ab42593c9091a3c7" providerId="LiveId" clId="{A94EC9C8-FC2E-45B4-829C-AEB6B286F687}" dt="2025-10-31T12:02:14.697" v="6989" actId="478"/>
-          <ac:grpSpMkLst>
-            <pc:docMk/>
-            <pc:sldMk cId="3729417740" sldId="280"/>
-            <ac:grpSpMk id="598" creationId="{9DBD939F-B22F-C355-3167-F83E06642E81}"/>
-          </ac:grpSpMkLst>
-        </pc:grpChg>
-        <pc:grpChg chg="del">
-          <ac:chgData name="Mario Aragón Valderrama" userId="ab42593c9091a3c7" providerId="LiveId" clId="{A94EC9C8-FC2E-45B4-829C-AEB6B286F687}" dt="2025-10-31T12:02:12.666" v="6986" actId="478"/>
-          <ac:grpSpMkLst>
-            <pc:docMk/>
-            <pc:sldMk cId="3729417740" sldId="280"/>
-            <ac:grpSpMk id="603" creationId="{1A5D7B4D-3F86-2CB8-5637-5CA448A67658}"/>
-          </ac:grpSpMkLst>
-        </pc:grpChg>
-        <pc:grpChg chg="del">
-          <ac:chgData name="Mario Aragón Valderrama" userId="ab42593c9091a3c7" providerId="LiveId" clId="{A94EC9C8-FC2E-45B4-829C-AEB6B286F687}" dt="2025-10-31T12:02:18.248" v="6992" actId="478"/>
-          <ac:grpSpMkLst>
-            <pc:docMk/>
-            <pc:sldMk cId="3729417740" sldId="280"/>
-            <ac:grpSpMk id="609" creationId="{1FC975FE-ECE4-0226-7EC0-BA12C0A4FC20}"/>
-          </ac:grpSpMkLst>
-        </pc:grpChg>
         <pc:grpChg chg="mod">
           <ac:chgData name="Mario Aragón Valderrama" userId="ab42593c9091a3c7" providerId="LiveId" clId="{A94EC9C8-FC2E-45B4-829C-AEB6B286F687}" dt="2025-10-31T12:13:39.573" v="7279" actId="1076"/>
           <ac:grpSpMkLst>
             <pc:docMk/>
             <pc:sldMk cId="3729417740" sldId="280"/>
             <ac:grpSpMk id="616" creationId="{211B4FB1-DED4-BE7B-08DF-63276B9D3A7C}"/>
-          </ac:grpSpMkLst>
-        </pc:grpChg>
-        <pc:grpChg chg="del">
-          <ac:chgData name="Mario Aragón Valderrama" userId="ab42593c9091a3c7" providerId="LiveId" clId="{A94EC9C8-FC2E-45B4-829C-AEB6B286F687}" dt="2025-10-31T12:02:19.650" v="6994" actId="478"/>
-          <ac:grpSpMkLst>
-            <pc:docMk/>
-            <pc:sldMk cId="3729417740" sldId="280"/>
-            <ac:grpSpMk id="621" creationId="{B49D133F-D519-DAAB-2178-D0EB536F6F5A}"/>
           </ac:grpSpMkLst>
         </pc:grpChg>
         <pc:picChg chg="add mod">
@@ -1470,13 +892,6 @@
           </ac:picMkLst>
         </pc:picChg>
       </pc:sldChg>
-      <pc:sldChg chg="new del">
-        <pc:chgData name="Mario Aragón Valderrama" userId="ab42593c9091a3c7" providerId="LiveId" clId="{A94EC9C8-FC2E-45B4-829C-AEB6B286F687}" dt="2025-10-31T09:28:29.544" v="45" actId="47"/>
-        <pc:sldMkLst>
-          <pc:docMk/>
-          <pc:sldMk cId="1556381580" sldId="281"/>
-        </pc:sldMkLst>
-      </pc:sldChg>
       <pc:sldChg chg="modSp add">
         <pc:chgData name="Mario Aragón Valderrama" userId="ab42593c9091a3c7" providerId="LiveId" clId="{A94EC9C8-FC2E-45B4-829C-AEB6B286F687}" dt="2025-10-31T11:11:25.029" v="2790"/>
         <pc:sldMkLst>
@@ -1492,8 +907,8 @@
           </ac:spMkLst>
         </pc:spChg>
       </pc:sldChg>
-      <pc:sldChg chg="modSp add mod">
-        <pc:chgData name="Mario Aragón Valderrama" userId="ab42593c9091a3c7" providerId="LiveId" clId="{A94EC9C8-FC2E-45B4-829C-AEB6B286F687}" dt="2025-10-31T11:11:46.389" v="2797" actId="14100"/>
+      <pc:sldChg chg="addSp delSp modSp add mod">
+        <pc:chgData name="Mario Aragón Valderrama" userId="ab42593c9091a3c7" providerId="LiveId" clId="{A94EC9C8-FC2E-45B4-829C-AEB6B286F687}" dt="2025-11-05T09:16:41.744" v="9476" actId="22"/>
         <pc:sldMkLst>
           <pc:docMk/>
           <pc:sldMk cId="224675658" sldId="282"/>
@@ -1506,6 +921,14 @@
             <ac:spMk id="633" creationId="{9D897F01-AE23-9F34-64C8-027BAF49FE70}"/>
           </ac:spMkLst>
         </pc:spChg>
+        <pc:picChg chg="add del">
+          <ac:chgData name="Mario Aragón Valderrama" userId="ab42593c9091a3c7" providerId="LiveId" clId="{A94EC9C8-FC2E-45B4-829C-AEB6B286F687}" dt="2025-11-05T09:16:41.744" v="9476" actId="22"/>
+          <ac:picMkLst>
+            <pc:docMk/>
+            <pc:sldMk cId="224675658" sldId="282"/>
+            <ac:picMk id="3" creationId="{C14165EC-58F9-5396-F62A-40F8AFE6EC2E}"/>
+          </ac:picMkLst>
+        </pc:picChg>
       </pc:sldChg>
       <pc:sldChg chg="modSp add mod">
         <pc:chgData name="Mario Aragón Valderrama" userId="ab42593c9091a3c7" providerId="LiveId" clId="{A94EC9C8-FC2E-45B4-829C-AEB6B286F687}" dt="2025-10-31T11:11:57.069" v="2804" actId="14100"/>
@@ -1537,13 +960,6 @@
           </ac:spMkLst>
         </pc:spChg>
       </pc:sldChg>
-      <pc:sldChg chg="add del">
-        <pc:chgData name="Mario Aragón Valderrama" userId="ab42593c9091a3c7" providerId="LiveId" clId="{A94EC9C8-FC2E-45B4-829C-AEB6B286F687}" dt="2025-10-31T11:12:11.004" v="2806" actId="47"/>
-        <pc:sldMkLst>
-          <pc:docMk/>
-          <pc:sldMk cId="656790693" sldId="285"/>
-        </pc:sldMkLst>
-      </pc:sldChg>
       <pc:sldMasterChg chg="addSldLayout delSldLayout">
         <pc:chgData name="Mario Aragón Valderrama" userId="ab42593c9091a3c7" providerId="LiveId" clId="{A94EC9C8-FC2E-45B4-829C-AEB6B286F687}" dt="2025-10-31T09:26:26.352" v="16" actId="47"/>
         <pc:sldMasterMkLst>
@@ -1556,14 +972,6 @@
             <pc:docMk/>
             <pc:sldMasterMk cId="0" sldId="2147483665"/>
             <pc:sldLayoutMk cId="0" sldId="2147483652"/>
-          </pc:sldLayoutMkLst>
-        </pc:sldLayoutChg>
-        <pc:sldLayoutChg chg="del">
-          <pc:chgData name="Mario Aragón Valderrama" userId="ab42593c9091a3c7" providerId="LiveId" clId="{A94EC9C8-FC2E-45B4-829C-AEB6B286F687}" dt="2025-10-31T09:26:17.493" v="0" actId="47"/>
-          <pc:sldLayoutMkLst>
-            <pc:docMk/>
-            <pc:sldMasterMk cId="0" sldId="2147483665"/>
-            <pc:sldLayoutMk cId="0" sldId="2147483659"/>
           </pc:sldLayoutMkLst>
         </pc:sldLayoutChg>
       </pc:sldMasterChg>
@@ -16675,6 +16083,327 @@
           </a:p>
         </p:txBody>
       </p:sp>
+      <p:pic>
+        <p:nvPicPr>
+          <p:cNvPr id="3" name="Imagen 2">
+            <a:extLst>
+              <a:ext uri="{FF2B5EF4-FFF2-40B4-BE49-F238E27FC236}">
+                <a16:creationId xmlns:a16="http://schemas.microsoft.com/office/drawing/2014/main" id="{1D516515-DA42-9655-BB01-518323B33C34}"/>
+              </a:ext>
+            </a:extLst>
+          </p:cNvPr>
+          <p:cNvPicPr>
+            <a:picLocks noChangeAspect="1"/>
+          </p:cNvPicPr>
+          <p:nvPr/>
+        </p:nvPicPr>
+        <p:blipFill>
+          <a:blip r:embed="rId3"/>
+          <a:stretch>
+            <a:fillRect/>
+          </a:stretch>
+        </p:blipFill>
+        <p:spPr>
+          <a:xfrm>
+            <a:off x="860611" y="1244318"/>
+            <a:ext cx="3369761" cy="1745784"/>
+          </a:xfrm>
+          <a:prstGeom prst="rect">
+            <a:avLst/>
+          </a:prstGeom>
+        </p:spPr>
+      </p:pic>
+      <p:sp>
+        <p:nvSpPr>
+          <p:cNvPr id="4" name="CuadroTexto 3">
+            <a:extLst>
+              <a:ext uri="{FF2B5EF4-FFF2-40B4-BE49-F238E27FC236}">
+                <a16:creationId xmlns:a16="http://schemas.microsoft.com/office/drawing/2014/main" id="{3A063028-BC82-FA0D-BF4A-CD1689F34D4C}"/>
+              </a:ext>
+            </a:extLst>
+          </p:cNvPr>
+          <p:cNvSpPr txBox="1"/>
+          <p:nvPr/>
+        </p:nvSpPr>
+        <p:spPr>
+          <a:xfrm>
+            <a:off x="4572000" y="1370384"/>
+            <a:ext cx="4227755" cy="954107"/>
+          </a:xfrm>
+          <a:prstGeom prst="rect">
+            <a:avLst/>
+          </a:prstGeom>
+          <a:noFill/>
+        </p:spPr>
+        <p:txBody>
+          <a:bodyPr wrap="square" rtlCol="0">
+            <a:spAutoFit/>
+          </a:bodyPr>
+          <a:lstStyle/>
+          <a:p>
+            <a:r>
+              <a:rPr lang="es-ES" dirty="0"/>
+              <a:t>Entre variables numéricas únicamente se ha encontrado correlaciones significativas entre </a:t>
+            </a:r>
+            <a:r>
+              <a:rPr lang="es-ES" b="1" dirty="0">
+                <a:solidFill>
+                  <a:srgbClr val="0070C0"/>
+                </a:solidFill>
+              </a:rPr>
+              <a:t>número de quejas – satisfacción </a:t>
+            </a:r>
+            <a:r>
+              <a:rPr lang="es-ES" dirty="0"/>
+              <a:t>del cliente y </a:t>
+            </a:r>
+            <a:r>
+              <a:rPr lang="es-ES" b="1" dirty="0">
+                <a:solidFill>
+                  <a:srgbClr val="00B050"/>
+                </a:solidFill>
+              </a:rPr>
+              <a:t>número de productos – balance</a:t>
+            </a:r>
+            <a:r>
+              <a:rPr lang="es-ES" dirty="0"/>
+              <a:t>.</a:t>
+            </a:r>
+          </a:p>
+        </p:txBody>
+      </p:sp>
+      <p:pic>
+        <p:nvPicPr>
+          <p:cNvPr id="6" name="Imagen 5">
+            <a:extLst>
+              <a:ext uri="{FF2B5EF4-FFF2-40B4-BE49-F238E27FC236}">
+                <a16:creationId xmlns:a16="http://schemas.microsoft.com/office/drawing/2014/main" id="{C419C444-B510-41D1-18DA-A0EDA21E4FC5}"/>
+              </a:ext>
+            </a:extLst>
+          </p:cNvPr>
+          <p:cNvPicPr>
+            <a:picLocks noChangeAspect="1"/>
+          </p:cNvPicPr>
+          <p:nvPr/>
+        </p:nvPicPr>
+        <p:blipFill>
+          <a:blip r:embed="rId4"/>
+          <a:stretch>
+            <a:fillRect/>
+          </a:stretch>
+        </p:blipFill>
+        <p:spPr>
+          <a:xfrm>
+            <a:off x="860608" y="4046709"/>
+            <a:ext cx="3496237" cy="1114581"/>
+          </a:xfrm>
+          <a:prstGeom prst="rect">
+            <a:avLst/>
+          </a:prstGeom>
+        </p:spPr>
+      </p:pic>
+      <p:pic>
+        <p:nvPicPr>
+          <p:cNvPr id="8" name="Imagen 7">
+            <a:extLst>
+              <a:ext uri="{FF2B5EF4-FFF2-40B4-BE49-F238E27FC236}">
+                <a16:creationId xmlns:a16="http://schemas.microsoft.com/office/drawing/2014/main" id="{F191712F-AF11-545F-6745-913AE7E68860}"/>
+              </a:ext>
+            </a:extLst>
+          </p:cNvPr>
+          <p:cNvPicPr>
+            <a:picLocks noChangeAspect="1"/>
+          </p:cNvPicPr>
+          <p:nvPr/>
+        </p:nvPicPr>
+        <p:blipFill>
+          <a:blip r:embed="rId5"/>
+          <a:stretch>
+            <a:fillRect/>
+          </a:stretch>
+        </p:blipFill>
+        <p:spPr>
+          <a:xfrm>
+            <a:off x="913040" y="3122220"/>
+            <a:ext cx="1695687" cy="952633"/>
+          </a:xfrm>
+          <a:prstGeom prst="rect">
+            <a:avLst/>
+          </a:prstGeom>
+        </p:spPr>
+      </p:pic>
+      <p:sp>
+        <p:nvSpPr>
+          <p:cNvPr id="9" name="CuadroTexto 8">
+            <a:extLst>
+              <a:ext uri="{FF2B5EF4-FFF2-40B4-BE49-F238E27FC236}">
+                <a16:creationId xmlns:a16="http://schemas.microsoft.com/office/drawing/2014/main" id="{DF775A01-8C66-64FB-3CC2-F9073BE005FF}"/>
+              </a:ext>
+            </a:extLst>
+          </p:cNvPr>
+          <p:cNvSpPr txBox="1"/>
+          <p:nvPr/>
+        </p:nvSpPr>
+        <p:spPr>
+          <a:xfrm>
+            <a:off x="4572000" y="3053286"/>
+            <a:ext cx="3948056" cy="1754326"/>
+          </a:xfrm>
+          <a:prstGeom prst="rect">
+            <a:avLst/>
+          </a:prstGeom>
+          <a:noFill/>
+        </p:spPr>
+        <p:txBody>
+          <a:bodyPr wrap="square" rtlCol="0">
+            <a:spAutoFit/>
+          </a:bodyPr>
+          <a:lstStyle/>
+          <a:p>
+            <a:r>
+              <a:rPr lang="es-ES" sz="1200" dirty="0"/>
+              <a:t>Respecto a un </a:t>
+            </a:r>
+            <a:r>
+              <a:rPr lang="es-ES" sz="1200" b="1" dirty="0"/>
+              <a:t>análisis bivariante </a:t>
+            </a:r>
+            <a:r>
+              <a:rPr lang="es-ES" sz="1200" dirty="0"/>
+              <a:t>de </a:t>
+            </a:r>
+            <a:r>
+              <a:rPr lang="es-ES" sz="1200" dirty="0" err="1"/>
+              <a:t>Exited</a:t>
+            </a:r>
+            <a:r>
+              <a:rPr lang="es-ES" sz="1200" dirty="0"/>
+              <a:t> con las categóricas, únicamente se ha encontrado diferencias proporcionales en las variables </a:t>
+            </a:r>
+            <a:r>
+              <a:rPr lang="es-ES" sz="1200" b="1" dirty="0" err="1"/>
+              <a:t>Geography</a:t>
+            </a:r>
+            <a:r>
+              <a:rPr lang="es-ES" sz="1200" b="1" dirty="0"/>
+              <a:t>, </a:t>
+            </a:r>
+            <a:r>
+              <a:rPr lang="es-ES" sz="1200" b="1" dirty="0" err="1"/>
+              <a:t>Gender</a:t>
+            </a:r>
+            <a:r>
+              <a:rPr lang="es-ES" sz="1200" b="1" dirty="0"/>
+              <a:t> e </a:t>
+            </a:r>
+            <a:r>
+              <a:rPr lang="es-ES" sz="1200" b="1" dirty="0" err="1"/>
+              <a:t>IsAcativeMember</a:t>
+            </a:r>
+            <a:r>
+              <a:rPr lang="es-ES" sz="1200" dirty="0"/>
+              <a:t>. La columna gris es diferente para las categorías dentro de cada variable. Habrá que </a:t>
+            </a:r>
+            <a:r>
+              <a:rPr lang="es-ES" sz="1200" dirty="0" err="1"/>
+              <a:t>corrovorar</a:t>
+            </a:r>
+            <a:r>
+              <a:rPr lang="es-ES" sz="1200" dirty="0"/>
+              <a:t> esto mediante </a:t>
+            </a:r>
+            <a:r>
+              <a:rPr lang="es-ES" sz="1200" dirty="0" err="1"/>
+              <a:t>tests</a:t>
+            </a:r>
+            <a:r>
+              <a:rPr lang="es-ES" sz="1200" dirty="0"/>
+              <a:t> estadísticos.</a:t>
+            </a:r>
+          </a:p>
+          <a:p>
+            <a:endParaRPr lang="es-ES" sz="1200" dirty="0"/>
+          </a:p>
+          <a:p>
+            <a:r>
+              <a:rPr lang="es-ES" sz="1200" dirty="0"/>
+              <a:t>Invirtiendo los ejes del histograma de </a:t>
+            </a:r>
+            <a:r>
+              <a:rPr lang="es-ES" sz="1200" b="1" i="1" dirty="0" err="1"/>
+              <a:t>Geography-Exited</a:t>
+            </a:r>
+            <a:r>
+              <a:rPr lang="es-ES" sz="1200" b="1" i="1" dirty="0"/>
+              <a:t> </a:t>
+            </a:r>
+            <a:r>
+              <a:rPr lang="es-ES" sz="1200" dirty="0"/>
+              <a:t>se observa más claramente la relación.</a:t>
+            </a:r>
+          </a:p>
+        </p:txBody>
+      </p:sp>
+      <p:pic>
+        <p:nvPicPr>
+          <p:cNvPr id="11" name="Imagen 10">
+            <a:extLst>
+              <a:ext uri="{FF2B5EF4-FFF2-40B4-BE49-F238E27FC236}">
+                <a16:creationId xmlns:a16="http://schemas.microsoft.com/office/drawing/2014/main" id="{69979F9F-1699-FEEA-4104-C18227B154EA}"/>
+              </a:ext>
+            </a:extLst>
+          </p:cNvPr>
+          <p:cNvPicPr>
+            <a:picLocks noChangeAspect="1"/>
+          </p:cNvPicPr>
+          <p:nvPr/>
+        </p:nvPicPr>
+        <p:blipFill>
+          <a:blip r:embed="rId6"/>
+          <a:stretch>
+            <a:fillRect/>
+          </a:stretch>
+        </p:blipFill>
+        <p:spPr>
+          <a:xfrm>
+            <a:off x="2545491" y="4046709"/>
+            <a:ext cx="1706492" cy="1019914"/>
+          </a:xfrm>
+          <a:prstGeom prst="rect">
+            <a:avLst/>
+          </a:prstGeom>
+        </p:spPr>
+      </p:pic>
+      <p:pic>
+        <p:nvPicPr>
+          <p:cNvPr id="13" name="Imagen 12">
+            <a:extLst>
+              <a:ext uri="{FF2B5EF4-FFF2-40B4-BE49-F238E27FC236}">
+                <a16:creationId xmlns:a16="http://schemas.microsoft.com/office/drawing/2014/main" id="{B57E5F5A-38EB-81A4-5B57-E486F1B32098}"/>
+              </a:ext>
+            </a:extLst>
+          </p:cNvPr>
+          <p:cNvPicPr>
+            <a:picLocks noChangeAspect="1"/>
+          </p:cNvPicPr>
+          <p:nvPr/>
+        </p:nvPicPr>
+        <p:blipFill>
+          <a:blip r:embed="rId7"/>
+          <a:stretch>
+            <a:fillRect/>
+          </a:stretch>
+        </p:blipFill>
+        <p:spPr>
+          <a:xfrm>
+            <a:off x="2552000" y="3122220"/>
+            <a:ext cx="1804845" cy="1017824"/>
+          </a:xfrm>
+          <a:prstGeom prst="rect">
+            <a:avLst/>
+          </a:prstGeom>
+        </p:spPr>
+      </p:pic>
     </p:spTree>
     <p:extLst>
       <p:ext uri="{BB962C8B-B14F-4D97-AF65-F5344CB8AC3E}">
@@ -16763,6 +16492,266 @@
           </a:p>
         </p:txBody>
       </p:sp>
+      <p:pic>
+        <p:nvPicPr>
+          <p:cNvPr id="3" name="Imagen 2">
+            <a:extLst>
+              <a:ext uri="{FF2B5EF4-FFF2-40B4-BE49-F238E27FC236}">
+                <a16:creationId xmlns:a16="http://schemas.microsoft.com/office/drawing/2014/main" id="{F8B308B3-606D-5693-7118-602F333524E5}"/>
+              </a:ext>
+            </a:extLst>
+          </p:cNvPr>
+          <p:cNvPicPr>
+            <a:picLocks noChangeAspect="1"/>
+          </p:cNvPicPr>
+          <p:nvPr/>
+        </p:nvPicPr>
+        <p:blipFill>
+          <a:blip r:embed="rId3"/>
+          <a:stretch>
+            <a:fillRect/>
+          </a:stretch>
+        </p:blipFill>
+        <p:spPr>
+          <a:xfrm>
+            <a:off x="720000" y="1360783"/>
+            <a:ext cx="2045586" cy="1414690"/>
+          </a:xfrm>
+          <a:prstGeom prst="rect">
+            <a:avLst/>
+          </a:prstGeom>
+        </p:spPr>
+      </p:pic>
+      <p:pic>
+        <p:nvPicPr>
+          <p:cNvPr id="5" name="Imagen 4">
+            <a:extLst>
+              <a:ext uri="{FF2B5EF4-FFF2-40B4-BE49-F238E27FC236}">
+                <a16:creationId xmlns:a16="http://schemas.microsoft.com/office/drawing/2014/main" id="{178624F4-D358-A55A-7284-21B1DCA028A0}"/>
+              </a:ext>
+            </a:extLst>
+          </p:cNvPr>
+          <p:cNvPicPr>
+            <a:picLocks noChangeAspect="1"/>
+          </p:cNvPicPr>
+          <p:nvPr/>
+        </p:nvPicPr>
+        <p:blipFill>
+          <a:blip r:embed="rId4"/>
+          <a:stretch>
+            <a:fillRect/>
+          </a:stretch>
+        </p:blipFill>
+        <p:spPr>
+          <a:xfrm>
+            <a:off x="3521515" y="1360783"/>
+            <a:ext cx="2100969" cy="1414690"/>
+          </a:xfrm>
+          <a:prstGeom prst="rect">
+            <a:avLst/>
+          </a:prstGeom>
+        </p:spPr>
+      </p:pic>
+      <p:sp>
+        <p:nvSpPr>
+          <p:cNvPr id="6" name="CuadroTexto 5">
+            <a:extLst>
+              <a:ext uri="{FF2B5EF4-FFF2-40B4-BE49-F238E27FC236}">
+                <a16:creationId xmlns:a16="http://schemas.microsoft.com/office/drawing/2014/main" id="{BD19327A-FEC8-2546-D5CE-E67AF2C8E686}"/>
+              </a:ext>
+            </a:extLst>
+          </p:cNvPr>
+          <p:cNvSpPr txBox="1"/>
+          <p:nvPr/>
+        </p:nvSpPr>
+        <p:spPr>
+          <a:xfrm>
+            <a:off x="6013525" y="1360783"/>
+            <a:ext cx="2689411" cy="1384995"/>
+          </a:xfrm>
+          <a:prstGeom prst="rect">
+            <a:avLst/>
+          </a:prstGeom>
+          <a:noFill/>
+        </p:spPr>
+        <p:txBody>
+          <a:bodyPr wrap="square" rtlCol="0">
+            <a:spAutoFit/>
+          </a:bodyPr>
+          <a:lstStyle/>
+          <a:p>
+            <a:r>
+              <a:rPr lang="es-ES" dirty="0"/>
+              <a:t>Estos </a:t>
+            </a:r>
+            <a:r>
+              <a:rPr lang="es-ES" dirty="0" err="1"/>
+              <a:t>boxplots</a:t>
+            </a:r>
+            <a:r>
+              <a:rPr lang="es-ES" dirty="0"/>
+              <a:t> son ejemplos de variables numéricas con relaciones que (por ahora visualmente) sospechamos significativas para Explicar </a:t>
+            </a:r>
+            <a:r>
+              <a:rPr lang="es-ES" dirty="0" err="1"/>
+              <a:t>Exited</a:t>
+            </a:r>
+            <a:r>
+              <a:rPr lang="es-ES" dirty="0"/>
+              <a:t>. Son </a:t>
+            </a:r>
+            <a:r>
+              <a:rPr lang="es-ES" b="1" dirty="0"/>
+              <a:t>Edad</a:t>
+            </a:r>
+            <a:r>
+              <a:rPr lang="es-ES" dirty="0"/>
+              <a:t> y </a:t>
+            </a:r>
+            <a:r>
+              <a:rPr lang="es-ES" b="1" dirty="0"/>
+              <a:t>Balance</a:t>
+            </a:r>
+            <a:r>
+              <a:rPr lang="es-ES" dirty="0"/>
+              <a:t>.</a:t>
+            </a:r>
+          </a:p>
+        </p:txBody>
+      </p:sp>
+      <p:pic>
+        <p:nvPicPr>
+          <p:cNvPr id="8" name="Imagen 7">
+            <a:extLst>
+              <a:ext uri="{FF2B5EF4-FFF2-40B4-BE49-F238E27FC236}">
+                <a16:creationId xmlns:a16="http://schemas.microsoft.com/office/drawing/2014/main" id="{9914B39E-79EB-753D-3011-BFAAE635B912}"/>
+              </a:ext>
+            </a:extLst>
+          </p:cNvPr>
+          <p:cNvPicPr>
+            <a:picLocks noChangeAspect="1"/>
+          </p:cNvPicPr>
+          <p:nvPr/>
+        </p:nvPicPr>
+        <p:blipFill>
+          <a:blip r:embed="rId5"/>
+          <a:stretch>
+            <a:fillRect/>
+          </a:stretch>
+        </p:blipFill>
+        <p:spPr>
+          <a:xfrm>
+            <a:off x="519100" y="3398329"/>
+            <a:ext cx="1576073" cy="957106"/>
+          </a:xfrm>
+          <a:prstGeom prst="rect">
+            <a:avLst/>
+          </a:prstGeom>
+        </p:spPr>
+      </p:pic>
+      <p:pic>
+        <p:nvPicPr>
+          <p:cNvPr id="10" name="Imagen 9">
+            <a:extLst>
+              <a:ext uri="{FF2B5EF4-FFF2-40B4-BE49-F238E27FC236}">
+                <a16:creationId xmlns:a16="http://schemas.microsoft.com/office/drawing/2014/main" id="{7ADEFD04-076B-92BF-D182-BF801606BBEF}"/>
+              </a:ext>
+            </a:extLst>
+          </p:cNvPr>
+          <p:cNvPicPr>
+            <a:picLocks noChangeAspect="1"/>
+          </p:cNvPicPr>
+          <p:nvPr/>
+        </p:nvPicPr>
+        <p:blipFill>
+          <a:blip r:embed="rId6"/>
+          <a:stretch>
+            <a:fillRect/>
+          </a:stretch>
+        </p:blipFill>
+        <p:spPr>
+          <a:xfrm>
+            <a:off x="3958413" y="3398329"/>
+            <a:ext cx="1653314" cy="957106"/>
+          </a:xfrm>
+          <a:prstGeom prst="rect">
+            <a:avLst/>
+          </a:prstGeom>
+        </p:spPr>
+      </p:pic>
+      <p:sp>
+        <p:nvSpPr>
+          <p:cNvPr id="11" name="CuadroTexto 10">
+            <a:extLst>
+              <a:ext uri="{FF2B5EF4-FFF2-40B4-BE49-F238E27FC236}">
+                <a16:creationId xmlns:a16="http://schemas.microsoft.com/office/drawing/2014/main" id="{94A685DF-E20C-512D-21F4-4547D83672C6}"/>
+              </a:ext>
+            </a:extLst>
+          </p:cNvPr>
+          <p:cNvSpPr txBox="1"/>
+          <p:nvPr/>
+        </p:nvSpPr>
+        <p:spPr>
+          <a:xfrm>
+            <a:off x="6013525" y="3070976"/>
+            <a:ext cx="2926080" cy="1815882"/>
+          </a:xfrm>
+          <a:prstGeom prst="rect">
+            <a:avLst/>
+          </a:prstGeom>
+          <a:noFill/>
+        </p:spPr>
+        <p:txBody>
+          <a:bodyPr wrap="square" rtlCol="0">
+            <a:spAutoFit/>
+          </a:bodyPr>
+          <a:lstStyle/>
+          <a:p>
+            <a:r>
+              <a:rPr lang="es-ES" dirty="0"/>
+              <a:t>Estos son algunos ejemplos de relaciones de variables que solo pueden ser explicados desde la </a:t>
+            </a:r>
+            <a:r>
+              <a:rPr lang="es-ES" b="1" dirty="0"/>
+              <a:t>artificialidad</a:t>
+            </a:r>
+            <a:r>
+              <a:rPr lang="es-ES" dirty="0"/>
+              <a:t> de la base de datos: una variable se ha creado a partir de la otra y por tanto sabemos que es imposible que ambas sean significativas conjuntamente.</a:t>
+            </a:r>
+          </a:p>
+        </p:txBody>
+      </p:sp>
+      <p:pic>
+        <p:nvPicPr>
+          <p:cNvPr id="13" name="Imagen 12">
+            <a:extLst>
+              <a:ext uri="{FF2B5EF4-FFF2-40B4-BE49-F238E27FC236}">
+                <a16:creationId xmlns:a16="http://schemas.microsoft.com/office/drawing/2014/main" id="{7AA491D9-67AC-2F66-8CF6-52562D3A93F9}"/>
+              </a:ext>
+            </a:extLst>
+          </p:cNvPr>
+          <p:cNvPicPr>
+            <a:picLocks noChangeAspect="1"/>
+          </p:cNvPicPr>
+          <p:nvPr/>
+        </p:nvPicPr>
+        <p:blipFill>
+          <a:blip r:embed="rId7"/>
+          <a:stretch>
+            <a:fillRect/>
+          </a:stretch>
+        </p:blipFill>
+        <p:spPr>
+          <a:xfrm>
+            <a:off x="2296072" y="3398329"/>
+            <a:ext cx="1531433" cy="905696"/>
+          </a:xfrm>
+          <a:prstGeom prst="rect">
+            <a:avLst/>
+          </a:prstGeom>
+        </p:spPr>
+      </p:pic>
     </p:spTree>
     <p:extLst>
       <p:ext uri="{BB962C8B-B14F-4D97-AF65-F5344CB8AC3E}">
